--- a/doc/Présentation/Présentation.pptx
+++ b/doc/Présentation/Présentation.pptx
@@ -3,14 +3,18 @@
 <p:presentation xmlns:a="http://schemas.openxmlformats.org/drawingml/2006/main" xmlns:r="http://schemas.openxmlformats.org/officeDocument/2006/relationships" xmlns:p="http://schemas.openxmlformats.org/presentationml/2006/main" saveSubsetFonts="1">
   <p:sldMasterIdLst>
     <p:sldMasterId id="2147483817" r:id="rId1"/>
+    <p:sldMasterId id="2147483829" r:id="rId2"/>
   </p:sldMasterIdLst>
+  <p:notesMasterIdLst>
+    <p:notesMasterId r:id="rId9"/>
+  </p:notesMasterIdLst>
   <p:sldIdLst>
-    <p:sldId id="256" r:id="rId2"/>
-    <p:sldId id="257" r:id="rId3"/>
-    <p:sldId id="260" r:id="rId4"/>
-    <p:sldId id="258" r:id="rId5"/>
-    <p:sldId id="259" r:id="rId6"/>
-    <p:sldId id="261" r:id="rId7"/>
+    <p:sldId id="256" r:id="rId3"/>
+    <p:sldId id="257" r:id="rId4"/>
+    <p:sldId id="260" r:id="rId5"/>
+    <p:sldId id="258" r:id="rId6"/>
+    <p:sldId id="259" r:id="rId7"/>
+    <p:sldId id="261" r:id="rId8"/>
   </p:sldIdLst>
   <p:sldSz cx="12192000" cy="6858000"/>
   <p:notesSz cx="6858000" cy="9144000"/>
@@ -121,12 +125,614 @@
 <p1510:revInfo xmlns:a="http://schemas.openxmlformats.org/drawingml/2006/main" xmlns:r="http://schemas.openxmlformats.org/officeDocument/2006/relationships" xmlns:p1510="http://schemas.microsoft.com/office/powerpoint/2015/10/main">
   <p1510:revLst>
     <p1510:client id="{D079703A-9E35-4DC6-8D66-B1D4E0E02383}" v="337" dt="2017-05-01T14:21:25.110"/>
-    <p1510:client id="{66D0E6B8-8712-4D61-AFE2-E7DEC0BE7BE0}" v="107" dt="2017-05-01T13:12:17.142"/>
+    <p1510:client id="{66D0E6B8-8712-4D61-AFE2-E7DEC0BE7BE0}" v="454" dt="2017-05-01T14:58:47.421"/>
   </p1510:revLst>
 </p1510:revInfo>
 </file>
 
+<file path=ppt/notesMasters/notesMaster1.xml><?xml version="1.0" encoding="utf-8"?>
+<p:notesMaster xmlns:a="http://schemas.openxmlformats.org/drawingml/2006/main" xmlns:r="http://schemas.openxmlformats.org/officeDocument/2006/relationships" xmlns:p="http://schemas.openxmlformats.org/presentationml/2006/main">
+  <p:cSld>
+    <p:bg>
+      <p:bgRef idx="1001">
+        <a:schemeClr val="bg1"/>
+      </p:bgRef>
+    </p:bg>
+    <p:spTree>
+      <p:nvGrpSpPr>
+        <p:cNvPr id="1" name=""/>
+        <p:cNvGrpSpPr/>
+        <p:nvPr/>
+      </p:nvGrpSpPr>
+      <p:grpSpPr>
+        <a:xfrm>
+          <a:off x="0" y="0"/>
+          <a:ext cx="0" cy="0"/>
+          <a:chOff x="0" y="0"/>
+          <a:chExt cx="0" cy="0"/>
+        </a:xfrm>
+      </p:grpSpPr>
+      <p:sp>
+        <p:nvSpPr>
+          <p:cNvPr id="2" name="Espace réservé de l'en-tête 1"/>
+          <p:cNvSpPr>
+            <a:spLocks noGrp="1"/>
+          </p:cNvSpPr>
+          <p:nvPr>
+            <p:ph type="hdr" sz="quarter"/>
+          </p:nvPr>
+        </p:nvSpPr>
+        <p:spPr>
+          <a:xfrm>
+            <a:off x="0" y="0"/>
+            <a:ext cx="2971800" cy="458788"/>
+          </a:xfrm>
+          <a:prstGeom prst="rect">
+            <a:avLst/>
+          </a:prstGeom>
+        </p:spPr>
+        <p:txBody>
+          <a:bodyPr vert="horz" lIns="91440" tIns="45720" rIns="91440" bIns="45720" rtlCol="0"/>
+          <a:lstStyle>
+            <a:lvl1pPr algn="l">
+              <a:defRPr sz="1200"/>
+            </a:lvl1pPr>
+          </a:lstStyle>
+          <a:p>
+            <a:endParaRPr lang="fr-FR"/>
+          </a:p>
+        </p:txBody>
+      </p:sp>
+      <p:sp>
+        <p:nvSpPr>
+          <p:cNvPr id="3" name="Espace réservé de la date 2"/>
+          <p:cNvSpPr>
+            <a:spLocks noGrp="1"/>
+          </p:cNvSpPr>
+          <p:nvPr>
+            <p:ph type="dt" idx="1"/>
+          </p:nvPr>
+        </p:nvSpPr>
+        <p:spPr>
+          <a:xfrm>
+            <a:off x="3884613" y="0"/>
+            <a:ext cx="2971800" cy="458788"/>
+          </a:xfrm>
+          <a:prstGeom prst="rect">
+            <a:avLst/>
+          </a:prstGeom>
+        </p:spPr>
+        <p:txBody>
+          <a:bodyPr vert="horz" lIns="91440" tIns="45720" rIns="91440" bIns="45720" rtlCol="0"/>
+          <a:lstStyle>
+            <a:lvl1pPr algn="r">
+              <a:defRPr sz="1200"/>
+            </a:lvl1pPr>
+          </a:lstStyle>
+          <a:p>
+            <a:fld id="{C528B9D9-6E6D-4C78-B6FF-D9ABE2C94161}" type="datetimeFigureOut">
+              <a:rPr lang="fr-FR" smtClean="0"/>
+              <a:t>01/05/2017</a:t>
+            </a:fld>
+            <a:endParaRPr lang="fr-FR"/>
+          </a:p>
+        </p:txBody>
+      </p:sp>
+      <p:sp>
+        <p:nvSpPr>
+          <p:cNvPr id="4" name="Espace réservé de l'image des diapositives 3"/>
+          <p:cNvSpPr>
+            <a:spLocks noGrp="1" noRot="1" noChangeAspect="1"/>
+          </p:cNvSpPr>
+          <p:nvPr>
+            <p:ph type="sldImg" idx="2"/>
+          </p:nvPr>
+        </p:nvSpPr>
+        <p:spPr>
+          <a:xfrm>
+            <a:off x="685800" y="1143000"/>
+            <a:ext cx="5486400" cy="3086100"/>
+          </a:xfrm>
+          <a:prstGeom prst="rect">
+            <a:avLst/>
+          </a:prstGeom>
+          <a:noFill/>
+          <a:ln w="12700">
+            <a:solidFill>
+              <a:prstClr val="black"/>
+            </a:solidFill>
+          </a:ln>
+        </p:spPr>
+        <p:txBody>
+          <a:bodyPr vert="horz" lIns="91440" tIns="45720" rIns="91440" bIns="45720" rtlCol="0" anchor="ctr"/>
+          <a:lstStyle/>
+          <a:p>
+            <a:endParaRPr lang="fr-FR"/>
+          </a:p>
+        </p:txBody>
+      </p:sp>
+      <p:sp>
+        <p:nvSpPr>
+          <p:cNvPr id="5" name="Espace réservé des notes 4"/>
+          <p:cNvSpPr>
+            <a:spLocks noGrp="1"/>
+          </p:cNvSpPr>
+          <p:nvPr>
+            <p:ph type="body" sz="quarter" idx="3"/>
+          </p:nvPr>
+        </p:nvSpPr>
+        <p:spPr>
+          <a:xfrm>
+            <a:off x="685800" y="4400550"/>
+            <a:ext cx="5486400" cy="3600450"/>
+          </a:xfrm>
+          <a:prstGeom prst="rect">
+            <a:avLst/>
+          </a:prstGeom>
+        </p:spPr>
+        <p:txBody>
+          <a:bodyPr vert="horz" lIns="91440" tIns="45720" rIns="91440" bIns="45720" rtlCol="0"/>
+          <a:lstStyle/>
+          <a:p>
+            <a:pPr lvl="0"/>
+            <a:r>
+              <a:rPr lang="fr-FR"/>
+              <a:t>Modifier les styles du texte du masque</a:t>
+            </a:r>
+          </a:p>
+          <a:p>
+            <a:pPr lvl="1"/>
+            <a:r>
+              <a:rPr lang="fr-FR"/>
+              <a:t>Deuxième niveau</a:t>
+            </a:r>
+          </a:p>
+          <a:p>
+            <a:pPr lvl="2"/>
+            <a:r>
+              <a:rPr lang="fr-FR"/>
+              <a:t>Troisième niveau</a:t>
+            </a:r>
+          </a:p>
+          <a:p>
+            <a:pPr lvl="3"/>
+            <a:r>
+              <a:rPr lang="fr-FR"/>
+              <a:t>Quatrième niveau</a:t>
+            </a:r>
+          </a:p>
+          <a:p>
+            <a:pPr lvl="4"/>
+            <a:r>
+              <a:rPr lang="fr-FR"/>
+              <a:t>Cinquième niveau</a:t>
+            </a:r>
+          </a:p>
+        </p:txBody>
+      </p:sp>
+      <p:sp>
+        <p:nvSpPr>
+          <p:cNvPr id="6" name="Espace réservé du pied de page 5"/>
+          <p:cNvSpPr>
+            <a:spLocks noGrp="1"/>
+          </p:cNvSpPr>
+          <p:nvPr>
+            <p:ph type="ftr" sz="quarter" idx="4"/>
+          </p:nvPr>
+        </p:nvSpPr>
+        <p:spPr>
+          <a:xfrm>
+            <a:off x="0" y="8685213"/>
+            <a:ext cx="2971800" cy="458787"/>
+          </a:xfrm>
+          <a:prstGeom prst="rect">
+            <a:avLst/>
+          </a:prstGeom>
+        </p:spPr>
+        <p:txBody>
+          <a:bodyPr vert="horz" lIns="91440" tIns="45720" rIns="91440" bIns="45720" rtlCol="0" anchor="b"/>
+          <a:lstStyle>
+            <a:lvl1pPr algn="l">
+              <a:defRPr sz="1200"/>
+            </a:lvl1pPr>
+          </a:lstStyle>
+          <a:p>
+            <a:endParaRPr lang="fr-FR"/>
+          </a:p>
+        </p:txBody>
+      </p:sp>
+      <p:sp>
+        <p:nvSpPr>
+          <p:cNvPr id="7" name="Espace réservé du numéro de diapositive 6"/>
+          <p:cNvSpPr>
+            <a:spLocks noGrp="1"/>
+          </p:cNvSpPr>
+          <p:nvPr>
+            <p:ph type="sldNum" sz="quarter" idx="5"/>
+          </p:nvPr>
+        </p:nvSpPr>
+        <p:spPr>
+          <a:xfrm>
+            <a:off x="3884613" y="8685213"/>
+            <a:ext cx="2971800" cy="458787"/>
+          </a:xfrm>
+          <a:prstGeom prst="rect">
+            <a:avLst/>
+          </a:prstGeom>
+        </p:spPr>
+        <p:txBody>
+          <a:bodyPr vert="horz" lIns="91440" tIns="45720" rIns="91440" bIns="45720" rtlCol="0" anchor="b"/>
+          <a:lstStyle>
+            <a:lvl1pPr algn="r">
+              <a:defRPr sz="1200"/>
+            </a:lvl1pPr>
+          </a:lstStyle>
+          <a:p>
+            <a:fld id="{2A76CF53-F638-4A0D-BBD7-1AB79337AD2E}" type="slidenum">
+              <a:rPr lang="fr-FR" smtClean="0"/>
+              <a:t>‹N°›</a:t>
+            </a:fld>
+            <a:endParaRPr lang="fr-FR"/>
+          </a:p>
+        </p:txBody>
+      </p:sp>
+    </p:spTree>
+    <p:extLst>
+      <p:ext uri="{BB962C8B-B14F-4D97-AF65-F5344CB8AC3E}">
+        <p14:creationId xmlns:p14="http://schemas.microsoft.com/office/powerpoint/2010/main" val="239585367"/>
+      </p:ext>
+    </p:extLst>
+  </p:cSld>
+  <p:clrMap bg1="lt1" tx1="dk1" bg2="lt2" tx2="dk2" accent1="accent1" accent2="accent2" accent3="accent3" accent4="accent4" accent5="accent5" accent6="accent6" hlink="hlink" folHlink="folHlink"/>
+  <p:notesStyle>
+    <a:lvl1pPr marL="0" algn="l" defTabSz="914400" rtl="0" eaLnBrk="1" latinLnBrk="0" hangingPunct="1">
+      <a:defRPr sz="1200" kern="1200">
+        <a:solidFill>
+          <a:schemeClr val="tx1"/>
+        </a:solidFill>
+        <a:latin typeface="+mn-lt"/>
+        <a:ea typeface="+mn-ea"/>
+        <a:cs typeface="+mn-cs"/>
+      </a:defRPr>
+    </a:lvl1pPr>
+    <a:lvl2pPr marL="457200" algn="l" defTabSz="914400" rtl="0" eaLnBrk="1" latinLnBrk="0" hangingPunct="1">
+      <a:defRPr sz="1200" kern="1200">
+        <a:solidFill>
+          <a:schemeClr val="tx1"/>
+        </a:solidFill>
+        <a:latin typeface="+mn-lt"/>
+        <a:ea typeface="+mn-ea"/>
+        <a:cs typeface="+mn-cs"/>
+      </a:defRPr>
+    </a:lvl2pPr>
+    <a:lvl3pPr marL="914400" algn="l" defTabSz="914400" rtl="0" eaLnBrk="1" latinLnBrk="0" hangingPunct="1">
+      <a:defRPr sz="1200" kern="1200">
+        <a:solidFill>
+          <a:schemeClr val="tx1"/>
+        </a:solidFill>
+        <a:latin typeface="+mn-lt"/>
+        <a:ea typeface="+mn-ea"/>
+        <a:cs typeface="+mn-cs"/>
+      </a:defRPr>
+    </a:lvl3pPr>
+    <a:lvl4pPr marL="1371600" algn="l" defTabSz="914400" rtl="0" eaLnBrk="1" latinLnBrk="0" hangingPunct="1">
+      <a:defRPr sz="1200" kern="1200">
+        <a:solidFill>
+          <a:schemeClr val="tx1"/>
+        </a:solidFill>
+        <a:latin typeface="+mn-lt"/>
+        <a:ea typeface="+mn-ea"/>
+        <a:cs typeface="+mn-cs"/>
+      </a:defRPr>
+    </a:lvl4pPr>
+    <a:lvl5pPr marL="1828800" algn="l" defTabSz="914400" rtl="0" eaLnBrk="1" latinLnBrk="0" hangingPunct="1">
+      <a:defRPr sz="1200" kern="1200">
+        <a:solidFill>
+          <a:schemeClr val="tx1"/>
+        </a:solidFill>
+        <a:latin typeface="+mn-lt"/>
+        <a:ea typeface="+mn-ea"/>
+        <a:cs typeface="+mn-cs"/>
+      </a:defRPr>
+    </a:lvl5pPr>
+    <a:lvl6pPr marL="2286000" algn="l" defTabSz="914400" rtl="0" eaLnBrk="1" latinLnBrk="0" hangingPunct="1">
+      <a:defRPr sz="1200" kern="1200">
+        <a:solidFill>
+          <a:schemeClr val="tx1"/>
+        </a:solidFill>
+        <a:latin typeface="+mn-lt"/>
+        <a:ea typeface="+mn-ea"/>
+        <a:cs typeface="+mn-cs"/>
+      </a:defRPr>
+    </a:lvl6pPr>
+    <a:lvl7pPr marL="2743200" algn="l" defTabSz="914400" rtl="0" eaLnBrk="1" latinLnBrk="0" hangingPunct="1">
+      <a:defRPr sz="1200" kern="1200">
+        <a:solidFill>
+          <a:schemeClr val="tx1"/>
+        </a:solidFill>
+        <a:latin typeface="+mn-lt"/>
+        <a:ea typeface="+mn-ea"/>
+        <a:cs typeface="+mn-cs"/>
+      </a:defRPr>
+    </a:lvl7pPr>
+    <a:lvl8pPr marL="3200400" algn="l" defTabSz="914400" rtl="0" eaLnBrk="1" latinLnBrk="0" hangingPunct="1">
+      <a:defRPr sz="1200" kern="1200">
+        <a:solidFill>
+          <a:schemeClr val="tx1"/>
+        </a:solidFill>
+        <a:latin typeface="+mn-lt"/>
+        <a:ea typeface="+mn-ea"/>
+        <a:cs typeface="+mn-cs"/>
+      </a:defRPr>
+    </a:lvl8pPr>
+    <a:lvl9pPr marL="3657600" algn="l" defTabSz="914400" rtl="0" eaLnBrk="1" latinLnBrk="0" hangingPunct="1">
+      <a:defRPr sz="1200" kern="1200">
+        <a:solidFill>
+          <a:schemeClr val="tx1"/>
+        </a:solidFill>
+        <a:latin typeface="+mn-lt"/>
+        <a:ea typeface="+mn-ea"/>
+        <a:cs typeface="+mn-cs"/>
+      </a:defRPr>
+    </a:lvl9pPr>
+  </p:notesStyle>
+</p:notesMaster>
+</file>
+
 <file path=ppt/slideLayouts/slideLayout1.xml><?xml version="1.0" encoding="utf-8"?>
+<p:sldLayout xmlns:a="http://schemas.openxmlformats.org/drawingml/2006/main" xmlns:r="http://schemas.openxmlformats.org/officeDocument/2006/relationships" xmlns:p="http://schemas.openxmlformats.org/presentationml/2006/main" type="secHead" preserve="1">
+  <p:cSld name="Titre de section">
+    <p:spTree>
+      <p:nvGrpSpPr>
+        <p:cNvPr id="1" name=""/>
+        <p:cNvGrpSpPr/>
+        <p:nvPr/>
+      </p:nvGrpSpPr>
+      <p:grpSpPr>
+        <a:xfrm>
+          <a:off x="0" y="0"/>
+          <a:ext cx="0" cy="0"/>
+          <a:chOff x="0" y="0"/>
+          <a:chExt cx="0" cy="0"/>
+        </a:xfrm>
+      </p:grpSpPr>
+      <p:sp>
+        <p:nvSpPr>
+          <p:cNvPr id="2" name="Titre 1"/>
+          <p:cNvSpPr>
+            <a:spLocks noGrp="1"/>
+          </p:cNvSpPr>
+          <p:nvPr>
+            <p:ph type="title"/>
+          </p:nvPr>
+        </p:nvSpPr>
+        <p:spPr>
+          <a:xfrm>
+            <a:off x="831850" y="1709738"/>
+            <a:ext cx="10515600" cy="2852737"/>
+          </a:xfrm>
+        </p:spPr>
+        <p:txBody>
+          <a:bodyPr anchor="b"/>
+          <a:lstStyle>
+            <a:lvl1pPr>
+              <a:defRPr sz="6000"/>
+            </a:lvl1pPr>
+          </a:lstStyle>
+          <a:p>
+            <a:r>
+              <a:rPr lang="fr-FR"/>
+              <a:t>Modifiez le style du titre</a:t>
+            </a:r>
+          </a:p>
+        </p:txBody>
+      </p:sp>
+      <p:sp>
+        <p:nvSpPr>
+          <p:cNvPr id="3" name="Espace réservé du texte 2"/>
+          <p:cNvSpPr>
+            <a:spLocks noGrp="1"/>
+          </p:cNvSpPr>
+          <p:nvPr>
+            <p:ph type="body" idx="1"/>
+          </p:nvPr>
+        </p:nvSpPr>
+        <p:spPr>
+          <a:xfrm>
+            <a:off x="831850" y="4589463"/>
+            <a:ext cx="10515600" cy="1500187"/>
+          </a:xfrm>
+        </p:spPr>
+        <p:txBody>
+          <a:bodyPr/>
+          <a:lstStyle>
+            <a:lvl1pPr marL="0" indent="0">
+              <a:buNone/>
+              <a:defRPr sz="2400">
+                <a:solidFill>
+                  <a:schemeClr val="tx1">
+                    <a:tint val="75000"/>
+                  </a:schemeClr>
+                </a:solidFill>
+              </a:defRPr>
+            </a:lvl1pPr>
+            <a:lvl2pPr marL="457200" indent="0">
+              <a:buNone/>
+              <a:defRPr sz="2000">
+                <a:solidFill>
+                  <a:schemeClr val="tx1">
+                    <a:tint val="75000"/>
+                  </a:schemeClr>
+                </a:solidFill>
+              </a:defRPr>
+            </a:lvl2pPr>
+            <a:lvl3pPr marL="914400" indent="0">
+              <a:buNone/>
+              <a:defRPr sz="1800">
+                <a:solidFill>
+                  <a:schemeClr val="tx1">
+                    <a:tint val="75000"/>
+                  </a:schemeClr>
+                </a:solidFill>
+              </a:defRPr>
+            </a:lvl3pPr>
+            <a:lvl4pPr marL="1371600" indent="0">
+              <a:buNone/>
+              <a:defRPr sz="1600">
+                <a:solidFill>
+                  <a:schemeClr val="tx1">
+                    <a:tint val="75000"/>
+                  </a:schemeClr>
+                </a:solidFill>
+              </a:defRPr>
+            </a:lvl4pPr>
+            <a:lvl5pPr marL="1828800" indent="0">
+              <a:buNone/>
+              <a:defRPr sz="1600">
+                <a:solidFill>
+                  <a:schemeClr val="tx1">
+                    <a:tint val="75000"/>
+                  </a:schemeClr>
+                </a:solidFill>
+              </a:defRPr>
+            </a:lvl5pPr>
+            <a:lvl6pPr marL="2286000" indent="0">
+              <a:buNone/>
+              <a:defRPr sz="1600">
+                <a:solidFill>
+                  <a:schemeClr val="tx1">
+                    <a:tint val="75000"/>
+                  </a:schemeClr>
+                </a:solidFill>
+              </a:defRPr>
+            </a:lvl6pPr>
+            <a:lvl7pPr marL="2743200" indent="0">
+              <a:buNone/>
+              <a:defRPr sz="1600">
+                <a:solidFill>
+                  <a:schemeClr val="tx1">
+                    <a:tint val="75000"/>
+                  </a:schemeClr>
+                </a:solidFill>
+              </a:defRPr>
+            </a:lvl7pPr>
+            <a:lvl8pPr marL="3200400" indent="0">
+              <a:buNone/>
+              <a:defRPr sz="1600">
+                <a:solidFill>
+                  <a:schemeClr val="tx1">
+                    <a:tint val="75000"/>
+                  </a:schemeClr>
+                </a:solidFill>
+              </a:defRPr>
+            </a:lvl8pPr>
+            <a:lvl9pPr marL="3657600" indent="0">
+              <a:buNone/>
+              <a:defRPr sz="1600">
+                <a:solidFill>
+                  <a:schemeClr val="tx1">
+                    <a:tint val="75000"/>
+                  </a:schemeClr>
+                </a:solidFill>
+              </a:defRPr>
+            </a:lvl9pPr>
+          </a:lstStyle>
+          <a:p>
+            <a:pPr lvl="0"/>
+            <a:r>
+              <a:rPr lang="fr-FR"/>
+              <a:t>Modifier les styles du texte du masque</a:t>
+            </a:r>
+          </a:p>
+        </p:txBody>
+      </p:sp>
+      <p:sp>
+        <p:nvSpPr>
+          <p:cNvPr id="4" name="Espace réservé de la date 3"/>
+          <p:cNvSpPr>
+            <a:spLocks noGrp="1"/>
+          </p:cNvSpPr>
+          <p:nvPr>
+            <p:ph type="dt" sz="half" idx="10"/>
+          </p:nvPr>
+        </p:nvSpPr>
+        <p:spPr/>
+        <p:txBody>
+          <a:bodyPr/>
+          <a:lstStyle/>
+          <a:p>
+            <a:fld id="{68819CA4-E7A2-4638-A266-A5CFC145217E}" type="datetimeFigureOut">
+              <a:rPr lang="fr-FR" smtClean="0"/>
+              <a:t>01/05/2017</a:t>
+            </a:fld>
+            <a:endParaRPr lang="fr-FR"/>
+          </a:p>
+        </p:txBody>
+      </p:sp>
+      <p:sp>
+        <p:nvSpPr>
+          <p:cNvPr id="5" name="Espace réservé du pied de page 4"/>
+          <p:cNvSpPr>
+            <a:spLocks noGrp="1"/>
+          </p:cNvSpPr>
+          <p:nvPr>
+            <p:ph type="ftr" sz="quarter" idx="11"/>
+          </p:nvPr>
+        </p:nvSpPr>
+        <p:spPr>
+          <a:xfrm>
+            <a:off x="4038600" y="6356350"/>
+            <a:ext cx="4114800" cy="365125"/>
+          </a:xfrm>
+          <a:prstGeom prst="rect">
+            <a:avLst/>
+          </a:prstGeom>
+        </p:spPr>
+        <p:txBody>
+          <a:bodyPr/>
+          <a:lstStyle/>
+          <a:p>
+            <a:endParaRPr lang="fr-FR"/>
+          </a:p>
+        </p:txBody>
+      </p:sp>
+      <p:sp>
+        <p:nvSpPr>
+          <p:cNvPr id="6" name="Espace réservé du numéro de diapositive 5"/>
+          <p:cNvSpPr>
+            <a:spLocks noGrp="1"/>
+          </p:cNvSpPr>
+          <p:nvPr>
+            <p:ph type="sldNum" sz="quarter" idx="12"/>
+          </p:nvPr>
+        </p:nvSpPr>
+        <p:spPr/>
+        <p:txBody>
+          <a:bodyPr/>
+          <a:lstStyle/>
+          <a:p>
+            <a:fld id="{9CD36147-3E0D-48B3-97AB-EA0EB5E5676E}" type="slidenum">
+              <a:rPr lang="fr-FR" smtClean="0"/>
+              <a:t>‹N°›</a:t>
+            </a:fld>
+            <a:endParaRPr lang="fr-FR"/>
+          </a:p>
+        </p:txBody>
+      </p:sp>
+    </p:spTree>
+    <p:extLst>
+      <p:ext uri="{BB962C8B-B14F-4D97-AF65-F5344CB8AC3E}">
+        <p14:creationId xmlns:p14="http://schemas.microsoft.com/office/powerpoint/2010/main" val="3029284321"/>
+      </p:ext>
+    </p:extLst>
+  </p:cSld>
+  <p:clrMapOvr>
+    <a:masterClrMapping/>
+  </p:clrMapOvr>
+</p:sldLayout>
+</file>
+
+<file path=ppt/slideLayouts/slideLayout10.xml><?xml version="1.0" encoding="utf-8"?>
 <p:sldLayout xmlns:a="http://schemas.openxmlformats.org/drawingml/2006/main" xmlns:r="http://schemas.openxmlformats.org/officeDocument/2006/relationships" xmlns:p="http://schemas.openxmlformats.org/presentationml/2006/main" type="title" preserve="1">
   <p:cSld name="Diapositive de titre">
     <p:spTree>
@@ -253,11 +859,10 @@
           <a:bodyPr/>
           <a:lstStyle/>
           <a:p>
-            <a:fld id="{68819CA4-E7A2-4638-A266-A5CFC145217E}" type="datetimeFigureOut">
-              <a:rPr lang="fr-FR" smtClean="0"/>
-              <a:t>01/05/2017</a:t>
-            </a:fld>
-            <a:endParaRPr lang="fr-FR"/>
+            <a:r>
+              <a:rPr lang="fr-FR"/>
+              <a:t>02/05/2017</a:t>
+            </a:r>
           </a:p>
         </p:txBody>
       </p:sp>
@@ -314,183 +919,7 @@
     </p:spTree>
     <p:extLst>
       <p:ext uri="{BB962C8B-B14F-4D97-AF65-F5344CB8AC3E}">
-        <p14:creationId xmlns:p14="http://schemas.microsoft.com/office/powerpoint/2010/main" val="1036553996"/>
-      </p:ext>
-    </p:extLst>
-  </p:cSld>
-  <p:clrMapOvr>
-    <a:masterClrMapping/>
-  </p:clrMapOvr>
-</p:sldLayout>
-</file>
-
-<file path=ppt/slideLayouts/slideLayout10.xml><?xml version="1.0" encoding="utf-8"?>
-<p:sldLayout xmlns:a="http://schemas.openxmlformats.org/drawingml/2006/main" xmlns:r="http://schemas.openxmlformats.org/officeDocument/2006/relationships" xmlns:p="http://schemas.openxmlformats.org/presentationml/2006/main" type="vertTx" preserve="1">
-  <p:cSld name="Titre et texte vertical">
-    <p:spTree>
-      <p:nvGrpSpPr>
-        <p:cNvPr id="1" name=""/>
-        <p:cNvGrpSpPr/>
-        <p:nvPr/>
-      </p:nvGrpSpPr>
-      <p:grpSpPr>
-        <a:xfrm>
-          <a:off x="0" y="0"/>
-          <a:ext cx="0" cy="0"/>
-          <a:chOff x="0" y="0"/>
-          <a:chExt cx="0" cy="0"/>
-        </a:xfrm>
-      </p:grpSpPr>
-      <p:sp>
-        <p:nvSpPr>
-          <p:cNvPr id="2" name="Titre 1"/>
-          <p:cNvSpPr>
-            <a:spLocks noGrp="1"/>
-          </p:cNvSpPr>
-          <p:nvPr>
-            <p:ph type="title"/>
-          </p:nvPr>
-        </p:nvSpPr>
-        <p:spPr/>
-        <p:txBody>
-          <a:bodyPr/>
-          <a:lstStyle/>
-          <a:p>
-            <a:r>
-              <a:rPr lang="fr-FR"/>
-              <a:t>Modifiez le style du titre</a:t>
-            </a:r>
-          </a:p>
-        </p:txBody>
-      </p:sp>
-      <p:sp>
-        <p:nvSpPr>
-          <p:cNvPr id="3" name="Espace réservé du texte vertical 2"/>
-          <p:cNvSpPr>
-            <a:spLocks noGrp="1"/>
-          </p:cNvSpPr>
-          <p:nvPr>
-            <p:ph type="body" orient="vert" idx="1"/>
-          </p:nvPr>
-        </p:nvSpPr>
-        <p:spPr/>
-        <p:txBody>
-          <a:bodyPr vert="eaVert"/>
-          <a:lstStyle/>
-          <a:p>
-            <a:pPr lvl="0"/>
-            <a:r>
-              <a:rPr lang="fr-FR"/>
-              <a:t>Modifier les styles du texte du masque</a:t>
-            </a:r>
-          </a:p>
-          <a:p>
-            <a:pPr lvl="1"/>
-            <a:r>
-              <a:rPr lang="fr-FR"/>
-              <a:t>Deuxième niveau</a:t>
-            </a:r>
-          </a:p>
-          <a:p>
-            <a:pPr lvl="2"/>
-            <a:r>
-              <a:rPr lang="fr-FR"/>
-              <a:t>Troisième niveau</a:t>
-            </a:r>
-          </a:p>
-          <a:p>
-            <a:pPr lvl="3"/>
-            <a:r>
-              <a:rPr lang="fr-FR"/>
-              <a:t>Quatrième niveau</a:t>
-            </a:r>
-          </a:p>
-          <a:p>
-            <a:pPr lvl="4"/>
-            <a:r>
-              <a:rPr lang="fr-FR"/>
-              <a:t>Cinquième niveau</a:t>
-            </a:r>
-          </a:p>
-        </p:txBody>
-      </p:sp>
-      <p:sp>
-        <p:nvSpPr>
-          <p:cNvPr id="4" name="Espace réservé de la date 3"/>
-          <p:cNvSpPr>
-            <a:spLocks noGrp="1"/>
-          </p:cNvSpPr>
-          <p:nvPr>
-            <p:ph type="dt" sz="half" idx="10"/>
-          </p:nvPr>
-        </p:nvSpPr>
-        <p:spPr/>
-        <p:txBody>
-          <a:bodyPr/>
-          <a:lstStyle/>
-          <a:p>
-            <a:fld id="{68819CA4-E7A2-4638-A266-A5CFC145217E}" type="datetimeFigureOut">
-              <a:rPr lang="fr-FR" smtClean="0"/>
-              <a:t>01/05/2017</a:t>
-            </a:fld>
-            <a:endParaRPr lang="fr-FR"/>
-          </a:p>
-        </p:txBody>
-      </p:sp>
-      <p:sp>
-        <p:nvSpPr>
-          <p:cNvPr id="5" name="Espace réservé du pied de page 4"/>
-          <p:cNvSpPr>
-            <a:spLocks noGrp="1"/>
-          </p:cNvSpPr>
-          <p:nvPr>
-            <p:ph type="ftr" sz="quarter" idx="11"/>
-          </p:nvPr>
-        </p:nvSpPr>
-        <p:spPr>
-          <a:xfrm>
-            <a:off x="4038600" y="6356350"/>
-            <a:ext cx="4114800" cy="365125"/>
-          </a:xfrm>
-          <a:prstGeom prst="rect">
-            <a:avLst/>
-          </a:prstGeom>
-        </p:spPr>
-        <p:txBody>
-          <a:bodyPr/>
-          <a:lstStyle/>
-          <a:p>
-            <a:endParaRPr lang="fr-FR"/>
-          </a:p>
-        </p:txBody>
-      </p:sp>
-      <p:sp>
-        <p:nvSpPr>
-          <p:cNvPr id="6" name="Espace réservé du numéro de diapositive 5"/>
-          <p:cNvSpPr>
-            <a:spLocks noGrp="1"/>
-          </p:cNvSpPr>
-          <p:nvPr>
-            <p:ph type="sldNum" sz="quarter" idx="12"/>
-          </p:nvPr>
-        </p:nvSpPr>
-        <p:spPr/>
-        <p:txBody>
-          <a:bodyPr/>
-          <a:lstStyle/>
-          <a:p>
-            <a:fld id="{9CD36147-3E0D-48B3-97AB-EA0EB5E5676E}" type="slidenum">
-              <a:rPr lang="fr-FR" smtClean="0"/>
-              <a:t>‹N°›</a:t>
-            </a:fld>
-            <a:endParaRPr lang="fr-FR"/>
-          </a:p>
-        </p:txBody>
-      </p:sp>
-    </p:spTree>
-    <p:extLst>
-      <p:ext uri="{BB962C8B-B14F-4D97-AF65-F5344CB8AC3E}">
-        <p14:creationId xmlns:p14="http://schemas.microsoft.com/office/powerpoint/2010/main" val="4006553397"/>
+        <p14:creationId xmlns:p14="http://schemas.microsoft.com/office/powerpoint/2010/main" val="2530206940"/>
       </p:ext>
     </p:extLst>
   </p:cSld>
@@ -501,192 +930,6 @@
 </file>
 
 <file path=ppt/slideLayouts/slideLayout11.xml><?xml version="1.0" encoding="utf-8"?>
-<p:sldLayout xmlns:a="http://schemas.openxmlformats.org/drawingml/2006/main" xmlns:r="http://schemas.openxmlformats.org/officeDocument/2006/relationships" xmlns:p="http://schemas.openxmlformats.org/presentationml/2006/main" type="vertTitleAndTx" preserve="1">
-  <p:cSld name="Titre vertical et texte">
-    <p:spTree>
-      <p:nvGrpSpPr>
-        <p:cNvPr id="1" name=""/>
-        <p:cNvGrpSpPr/>
-        <p:nvPr/>
-      </p:nvGrpSpPr>
-      <p:grpSpPr>
-        <a:xfrm>
-          <a:off x="0" y="0"/>
-          <a:ext cx="0" cy="0"/>
-          <a:chOff x="0" y="0"/>
-          <a:chExt cx="0" cy="0"/>
-        </a:xfrm>
-      </p:grpSpPr>
-      <p:sp>
-        <p:nvSpPr>
-          <p:cNvPr id="2" name="Titre vertical 1"/>
-          <p:cNvSpPr>
-            <a:spLocks noGrp="1"/>
-          </p:cNvSpPr>
-          <p:nvPr>
-            <p:ph type="title" orient="vert"/>
-          </p:nvPr>
-        </p:nvSpPr>
-        <p:spPr>
-          <a:xfrm>
-            <a:off x="8724900" y="365125"/>
-            <a:ext cx="2628900" cy="5811838"/>
-          </a:xfrm>
-        </p:spPr>
-        <p:txBody>
-          <a:bodyPr vert="eaVert"/>
-          <a:lstStyle/>
-          <a:p>
-            <a:r>
-              <a:rPr lang="fr-FR"/>
-              <a:t>Modifiez le style du titre</a:t>
-            </a:r>
-          </a:p>
-        </p:txBody>
-      </p:sp>
-      <p:sp>
-        <p:nvSpPr>
-          <p:cNvPr id="3" name="Espace réservé du texte vertical 2"/>
-          <p:cNvSpPr>
-            <a:spLocks noGrp="1"/>
-          </p:cNvSpPr>
-          <p:nvPr>
-            <p:ph type="body" orient="vert" idx="1"/>
-          </p:nvPr>
-        </p:nvSpPr>
-        <p:spPr>
-          <a:xfrm>
-            <a:off x="838200" y="365125"/>
-            <a:ext cx="7734300" cy="5811838"/>
-          </a:xfrm>
-        </p:spPr>
-        <p:txBody>
-          <a:bodyPr vert="eaVert"/>
-          <a:lstStyle/>
-          <a:p>
-            <a:pPr lvl="0"/>
-            <a:r>
-              <a:rPr lang="fr-FR"/>
-              <a:t>Modifier les styles du texte du masque</a:t>
-            </a:r>
-          </a:p>
-          <a:p>
-            <a:pPr lvl="1"/>
-            <a:r>
-              <a:rPr lang="fr-FR"/>
-              <a:t>Deuxième niveau</a:t>
-            </a:r>
-          </a:p>
-          <a:p>
-            <a:pPr lvl="2"/>
-            <a:r>
-              <a:rPr lang="fr-FR"/>
-              <a:t>Troisième niveau</a:t>
-            </a:r>
-          </a:p>
-          <a:p>
-            <a:pPr lvl="3"/>
-            <a:r>
-              <a:rPr lang="fr-FR"/>
-              <a:t>Quatrième niveau</a:t>
-            </a:r>
-          </a:p>
-          <a:p>
-            <a:pPr lvl="4"/>
-            <a:r>
-              <a:rPr lang="fr-FR"/>
-              <a:t>Cinquième niveau</a:t>
-            </a:r>
-          </a:p>
-        </p:txBody>
-      </p:sp>
-      <p:sp>
-        <p:nvSpPr>
-          <p:cNvPr id="4" name="Espace réservé de la date 3"/>
-          <p:cNvSpPr>
-            <a:spLocks noGrp="1"/>
-          </p:cNvSpPr>
-          <p:nvPr>
-            <p:ph type="dt" sz="half" idx="10"/>
-          </p:nvPr>
-        </p:nvSpPr>
-        <p:spPr/>
-        <p:txBody>
-          <a:bodyPr/>
-          <a:lstStyle/>
-          <a:p>
-            <a:fld id="{68819CA4-E7A2-4638-A266-A5CFC145217E}" type="datetimeFigureOut">
-              <a:rPr lang="fr-FR" smtClean="0"/>
-              <a:t>01/05/2017</a:t>
-            </a:fld>
-            <a:endParaRPr lang="fr-FR"/>
-          </a:p>
-        </p:txBody>
-      </p:sp>
-      <p:sp>
-        <p:nvSpPr>
-          <p:cNvPr id="5" name="Espace réservé du pied de page 4"/>
-          <p:cNvSpPr>
-            <a:spLocks noGrp="1"/>
-          </p:cNvSpPr>
-          <p:nvPr>
-            <p:ph type="ftr" sz="quarter" idx="11"/>
-          </p:nvPr>
-        </p:nvSpPr>
-        <p:spPr>
-          <a:xfrm>
-            <a:off x="4038600" y="6356350"/>
-            <a:ext cx="4114800" cy="365125"/>
-          </a:xfrm>
-          <a:prstGeom prst="rect">
-            <a:avLst/>
-          </a:prstGeom>
-        </p:spPr>
-        <p:txBody>
-          <a:bodyPr/>
-          <a:lstStyle/>
-          <a:p>
-            <a:endParaRPr lang="fr-FR"/>
-          </a:p>
-        </p:txBody>
-      </p:sp>
-      <p:sp>
-        <p:nvSpPr>
-          <p:cNvPr id="6" name="Espace réservé du numéro de diapositive 5"/>
-          <p:cNvSpPr>
-            <a:spLocks noGrp="1"/>
-          </p:cNvSpPr>
-          <p:nvPr>
-            <p:ph type="sldNum" sz="quarter" idx="12"/>
-          </p:nvPr>
-        </p:nvSpPr>
-        <p:spPr/>
-        <p:txBody>
-          <a:bodyPr/>
-          <a:lstStyle/>
-          <a:p>
-            <a:fld id="{9CD36147-3E0D-48B3-97AB-EA0EB5E5676E}" type="slidenum">
-              <a:rPr lang="fr-FR" smtClean="0"/>
-              <a:t>‹N°›</a:t>
-            </a:fld>
-            <a:endParaRPr lang="fr-FR"/>
-          </a:p>
-        </p:txBody>
-      </p:sp>
-    </p:spTree>
-    <p:extLst>
-      <p:ext uri="{BB962C8B-B14F-4D97-AF65-F5344CB8AC3E}">
-        <p14:creationId xmlns:p14="http://schemas.microsoft.com/office/powerpoint/2010/main" val="4251734646"/>
-      </p:ext>
-    </p:extLst>
-  </p:cSld>
-  <p:clrMapOvr>
-    <a:masterClrMapping/>
-  </p:clrMapOvr>
-</p:sldLayout>
-</file>
-
-<file path=ppt/slideLayouts/slideLayout2.xml><?xml version="1.0" encoding="utf-8"?>
 <p:sldLayout xmlns:a="http://schemas.openxmlformats.org/drawingml/2006/main" xmlns:r="http://schemas.openxmlformats.org/officeDocument/2006/relationships" xmlns:p="http://schemas.openxmlformats.org/presentationml/2006/main" type="obj" preserve="1">
   <p:cSld name="Titre et contenu">
     <p:spTree>
@@ -791,11 +1034,10 @@
           <a:bodyPr/>
           <a:lstStyle/>
           <a:p>
-            <a:fld id="{68819CA4-E7A2-4638-A266-A5CFC145217E}" type="datetimeFigureOut">
-              <a:rPr lang="fr-FR" smtClean="0"/>
-              <a:t>01/05/2017</a:t>
-            </a:fld>
-            <a:endParaRPr lang="fr-FR"/>
+            <a:r>
+              <a:rPr lang="fr-FR"/>
+              <a:t>02/05/2017</a:t>
+            </a:r>
           </a:p>
         </p:txBody>
       </p:sp>
@@ -852,7 +1094,7 @@
     </p:spTree>
     <p:extLst>
       <p:ext uri="{BB962C8B-B14F-4D97-AF65-F5344CB8AC3E}">
-        <p14:creationId xmlns:p14="http://schemas.microsoft.com/office/powerpoint/2010/main" val="2679809507"/>
+        <p14:creationId xmlns:p14="http://schemas.microsoft.com/office/powerpoint/2010/main" val="2056458205"/>
       </p:ext>
     </p:extLst>
   </p:cSld>
@@ -862,7 +1104,7 @@
 </p:sldLayout>
 </file>
 
-<file path=ppt/slideLayouts/slideLayout3.xml><?xml version="1.0" encoding="utf-8"?>
+<file path=ppt/slideLayouts/slideLayout12.xml><?xml version="1.0" encoding="utf-8"?>
 <p:sldLayout xmlns:a="http://schemas.openxmlformats.org/drawingml/2006/main" xmlns:r="http://schemas.openxmlformats.org/officeDocument/2006/relationships" xmlns:p="http://schemas.openxmlformats.org/presentationml/2006/main" type="secHead" preserve="1">
   <p:cSld name="Titre de section">
     <p:spTree>
@@ -1044,11 +1286,10 @@
           <a:bodyPr/>
           <a:lstStyle/>
           <a:p>
-            <a:fld id="{68819CA4-E7A2-4638-A266-A5CFC145217E}" type="datetimeFigureOut">
-              <a:rPr lang="fr-FR" smtClean="0"/>
-              <a:t>01/05/2017</a:t>
-            </a:fld>
-            <a:endParaRPr lang="fr-FR"/>
+            <a:r>
+              <a:rPr lang="fr-FR"/>
+              <a:t>02/05/2017</a:t>
+            </a:r>
           </a:p>
         </p:txBody>
       </p:sp>
@@ -1105,7 +1346,7 @@
     </p:spTree>
     <p:extLst>
       <p:ext uri="{BB962C8B-B14F-4D97-AF65-F5344CB8AC3E}">
-        <p14:creationId xmlns:p14="http://schemas.microsoft.com/office/powerpoint/2010/main" val="3029284321"/>
+        <p14:creationId xmlns:p14="http://schemas.microsoft.com/office/powerpoint/2010/main" val="4278197520"/>
       </p:ext>
     </p:extLst>
   </p:cSld>
@@ -1115,7 +1356,7 @@
 </p:sldLayout>
 </file>
 
-<file path=ppt/slideLayouts/slideLayout4.xml><?xml version="1.0" encoding="utf-8"?>
+<file path=ppt/slideLayouts/slideLayout13.xml><?xml version="1.0" encoding="utf-8"?>
 <p:sldLayout xmlns:a="http://schemas.openxmlformats.org/drawingml/2006/main" xmlns:r="http://schemas.openxmlformats.org/officeDocument/2006/relationships" xmlns:p="http://schemas.openxmlformats.org/presentationml/2006/main" type="twoObj" preserve="1">
   <p:cSld name="Deux contenus">
     <p:spTree>
@@ -1281,11 +1522,10 @@
           <a:bodyPr/>
           <a:lstStyle/>
           <a:p>
-            <a:fld id="{68819CA4-E7A2-4638-A266-A5CFC145217E}" type="datetimeFigureOut">
-              <a:rPr lang="fr-FR" smtClean="0"/>
-              <a:t>01/05/2017</a:t>
-            </a:fld>
-            <a:endParaRPr lang="fr-FR"/>
+            <a:r>
+              <a:rPr lang="fr-FR"/>
+              <a:t>02/05/2017</a:t>
+            </a:r>
           </a:p>
         </p:txBody>
       </p:sp>
@@ -1342,7 +1582,7 @@
     </p:spTree>
     <p:extLst>
       <p:ext uri="{BB962C8B-B14F-4D97-AF65-F5344CB8AC3E}">
-        <p14:creationId xmlns:p14="http://schemas.microsoft.com/office/powerpoint/2010/main" val="1193077374"/>
+        <p14:creationId xmlns:p14="http://schemas.microsoft.com/office/powerpoint/2010/main" val="2159273736"/>
       </p:ext>
     </p:extLst>
   </p:cSld>
@@ -1352,7 +1592,7 @@
 </p:sldLayout>
 </file>
 
-<file path=ppt/slideLayouts/slideLayout5.xml><?xml version="1.0" encoding="utf-8"?>
+<file path=ppt/slideLayouts/slideLayout14.xml><?xml version="1.0" encoding="utf-8"?>
 <p:sldLayout xmlns:a="http://schemas.openxmlformats.org/drawingml/2006/main" xmlns:r="http://schemas.openxmlformats.org/officeDocument/2006/relationships" xmlns:p="http://schemas.openxmlformats.org/presentationml/2006/main" type="twoTxTwoObj" preserve="1">
   <p:cSld name="Comparaison">
     <p:spTree>
@@ -1653,11 +1893,10 @@
           <a:bodyPr/>
           <a:lstStyle/>
           <a:p>
-            <a:fld id="{68819CA4-E7A2-4638-A266-A5CFC145217E}" type="datetimeFigureOut">
-              <a:rPr lang="fr-FR" smtClean="0"/>
-              <a:t>01/05/2017</a:t>
-            </a:fld>
-            <a:endParaRPr lang="fr-FR"/>
+            <a:r>
+              <a:rPr lang="fr-FR"/>
+              <a:t>02/05/2017</a:t>
+            </a:r>
           </a:p>
         </p:txBody>
       </p:sp>
@@ -1714,7 +1953,7 @@
     </p:spTree>
     <p:extLst>
       <p:ext uri="{BB962C8B-B14F-4D97-AF65-F5344CB8AC3E}">
-        <p14:creationId xmlns:p14="http://schemas.microsoft.com/office/powerpoint/2010/main" val="2000521671"/>
+        <p14:creationId xmlns:p14="http://schemas.microsoft.com/office/powerpoint/2010/main" val="2427797755"/>
       </p:ext>
     </p:extLst>
   </p:cSld>
@@ -1724,7 +1963,7 @@
 </p:sldLayout>
 </file>
 
-<file path=ppt/slideLayouts/slideLayout6.xml><?xml version="1.0" encoding="utf-8"?>
+<file path=ppt/slideLayouts/slideLayout15.xml><?xml version="1.0" encoding="utf-8"?>
 <p:sldLayout xmlns:a="http://schemas.openxmlformats.org/drawingml/2006/main" xmlns:r="http://schemas.openxmlformats.org/officeDocument/2006/relationships" xmlns:p="http://schemas.openxmlformats.org/presentationml/2006/main" type="titleOnly" preserve="1">
   <p:cSld name="Titre seul">
     <p:spTree>
@@ -1778,11 +2017,10 @@
           <a:bodyPr/>
           <a:lstStyle/>
           <a:p>
-            <a:fld id="{68819CA4-E7A2-4638-A266-A5CFC145217E}" type="datetimeFigureOut">
-              <a:rPr lang="fr-FR" smtClean="0"/>
-              <a:t>01/05/2017</a:t>
-            </a:fld>
-            <a:endParaRPr lang="fr-FR"/>
+            <a:r>
+              <a:rPr lang="fr-FR"/>
+              <a:t>02/05/2017</a:t>
+            </a:r>
           </a:p>
         </p:txBody>
       </p:sp>
@@ -1839,7 +2077,7 @@
     </p:spTree>
     <p:extLst>
       <p:ext uri="{BB962C8B-B14F-4D97-AF65-F5344CB8AC3E}">
-        <p14:creationId xmlns:p14="http://schemas.microsoft.com/office/powerpoint/2010/main" val="3874944078"/>
+        <p14:creationId xmlns:p14="http://schemas.microsoft.com/office/powerpoint/2010/main" val="675041900"/>
       </p:ext>
     </p:extLst>
   </p:cSld>
@@ -1849,7 +2087,7 @@
 </p:sldLayout>
 </file>
 
-<file path=ppt/slideLayouts/slideLayout7.xml><?xml version="1.0" encoding="utf-8"?>
+<file path=ppt/slideLayouts/slideLayout16.xml><?xml version="1.0" encoding="utf-8"?>
 <p:sldLayout xmlns:a="http://schemas.openxmlformats.org/drawingml/2006/main" xmlns:r="http://schemas.openxmlformats.org/officeDocument/2006/relationships" xmlns:p="http://schemas.openxmlformats.org/presentationml/2006/main" type="blank" preserve="1">
   <p:cSld name="Vide">
     <p:spTree>
@@ -1881,11 +2119,10 @@
           <a:bodyPr/>
           <a:lstStyle/>
           <a:p>
-            <a:fld id="{68819CA4-E7A2-4638-A266-A5CFC145217E}" type="datetimeFigureOut">
-              <a:rPr lang="fr-FR" smtClean="0"/>
-              <a:t>01/05/2017</a:t>
-            </a:fld>
-            <a:endParaRPr lang="fr-FR"/>
+            <a:r>
+              <a:rPr lang="fr-FR"/>
+              <a:t>02/05/2017</a:t>
+            </a:r>
           </a:p>
         </p:txBody>
       </p:sp>
@@ -1942,7 +2179,7 @@
     </p:spTree>
     <p:extLst>
       <p:ext uri="{BB962C8B-B14F-4D97-AF65-F5344CB8AC3E}">
-        <p14:creationId xmlns:p14="http://schemas.microsoft.com/office/powerpoint/2010/main" val="1496623121"/>
+        <p14:creationId xmlns:p14="http://schemas.microsoft.com/office/powerpoint/2010/main" val="4257001947"/>
       </p:ext>
     </p:extLst>
   </p:cSld>
@@ -1952,7 +2189,7 @@
 </p:sldLayout>
 </file>
 
-<file path=ppt/slideLayouts/slideLayout8.xml><?xml version="1.0" encoding="utf-8"?>
+<file path=ppt/slideLayouts/slideLayout17.xml><?xml version="1.0" encoding="utf-8"?>
 <p:sldLayout xmlns:a="http://schemas.openxmlformats.org/drawingml/2006/main" xmlns:r="http://schemas.openxmlformats.org/officeDocument/2006/relationships" xmlns:p="http://schemas.openxmlformats.org/presentationml/2006/main" type="objTx" preserve="1">
   <p:cSld name="Contenu avec légende">
     <p:spTree>
@@ -2164,11 +2401,10 @@
           <a:bodyPr/>
           <a:lstStyle/>
           <a:p>
-            <a:fld id="{68819CA4-E7A2-4638-A266-A5CFC145217E}" type="datetimeFigureOut">
-              <a:rPr lang="fr-FR" smtClean="0"/>
-              <a:t>01/05/2017</a:t>
-            </a:fld>
-            <a:endParaRPr lang="fr-FR"/>
+            <a:r>
+              <a:rPr lang="fr-FR"/>
+              <a:t>02/05/2017</a:t>
+            </a:r>
           </a:p>
         </p:txBody>
       </p:sp>
@@ -2225,7 +2461,7 @@
     </p:spTree>
     <p:extLst>
       <p:ext uri="{BB962C8B-B14F-4D97-AF65-F5344CB8AC3E}">
-        <p14:creationId xmlns:p14="http://schemas.microsoft.com/office/powerpoint/2010/main" val="1212000979"/>
+        <p14:creationId xmlns:p14="http://schemas.microsoft.com/office/powerpoint/2010/main" val="959684928"/>
       </p:ext>
     </p:extLst>
   </p:cSld>
@@ -2235,7 +2471,7 @@
 </p:sldLayout>
 </file>
 
-<file path=ppt/slideLayouts/slideLayout9.xml><?xml version="1.0" encoding="utf-8"?>
+<file path=ppt/slideLayouts/slideLayout18.xml><?xml version="1.0" encoding="utf-8"?>
 <p:sldLayout xmlns:a="http://schemas.openxmlformats.org/drawingml/2006/main" xmlns:r="http://schemas.openxmlformats.org/officeDocument/2006/relationships" xmlns:p="http://schemas.openxmlformats.org/presentationml/2006/main" type="picTx" preserve="1">
   <p:cSld name="Image avec légende">
     <p:spTree>
@@ -2424,6 +2660,417 @@
           <a:bodyPr/>
           <a:lstStyle/>
           <a:p>
+            <a:r>
+              <a:rPr lang="fr-FR"/>
+              <a:t>02/05/2017</a:t>
+            </a:r>
+          </a:p>
+        </p:txBody>
+      </p:sp>
+      <p:sp>
+        <p:nvSpPr>
+          <p:cNvPr id="6" name="Espace réservé du pied de page 5"/>
+          <p:cNvSpPr>
+            <a:spLocks noGrp="1"/>
+          </p:cNvSpPr>
+          <p:nvPr>
+            <p:ph type="ftr" sz="quarter" idx="11"/>
+          </p:nvPr>
+        </p:nvSpPr>
+        <p:spPr>
+          <a:xfrm>
+            <a:off x="4038600" y="6356350"/>
+            <a:ext cx="4114800" cy="365125"/>
+          </a:xfrm>
+          <a:prstGeom prst="rect">
+            <a:avLst/>
+          </a:prstGeom>
+        </p:spPr>
+        <p:txBody>
+          <a:bodyPr/>
+          <a:lstStyle/>
+          <a:p>
+            <a:endParaRPr lang="fr-FR"/>
+          </a:p>
+        </p:txBody>
+      </p:sp>
+      <p:sp>
+        <p:nvSpPr>
+          <p:cNvPr id="7" name="Espace réservé du numéro de diapositive 6"/>
+          <p:cNvSpPr>
+            <a:spLocks noGrp="1"/>
+          </p:cNvSpPr>
+          <p:nvPr>
+            <p:ph type="sldNum" sz="quarter" idx="12"/>
+          </p:nvPr>
+        </p:nvSpPr>
+        <p:spPr/>
+        <p:txBody>
+          <a:bodyPr/>
+          <a:lstStyle/>
+          <a:p>
+            <a:fld id="{9CD36147-3E0D-48B3-97AB-EA0EB5E5676E}" type="slidenum">
+              <a:rPr lang="fr-FR" smtClean="0"/>
+              <a:t>‹N°›</a:t>
+            </a:fld>
+            <a:endParaRPr lang="fr-FR"/>
+          </a:p>
+        </p:txBody>
+      </p:sp>
+    </p:spTree>
+    <p:extLst>
+      <p:ext uri="{BB962C8B-B14F-4D97-AF65-F5344CB8AC3E}">
+        <p14:creationId xmlns:p14="http://schemas.microsoft.com/office/powerpoint/2010/main" val="3026920834"/>
+      </p:ext>
+    </p:extLst>
+  </p:cSld>
+  <p:clrMapOvr>
+    <a:masterClrMapping/>
+  </p:clrMapOvr>
+</p:sldLayout>
+</file>
+
+<file path=ppt/slideLayouts/slideLayout19.xml><?xml version="1.0" encoding="utf-8"?>
+<p:sldLayout xmlns:a="http://schemas.openxmlformats.org/drawingml/2006/main" xmlns:r="http://schemas.openxmlformats.org/officeDocument/2006/relationships" xmlns:p="http://schemas.openxmlformats.org/presentationml/2006/main" type="vertTx" preserve="1">
+  <p:cSld name="Titre et texte vertical">
+    <p:spTree>
+      <p:nvGrpSpPr>
+        <p:cNvPr id="1" name=""/>
+        <p:cNvGrpSpPr/>
+        <p:nvPr/>
+      </p:nvGrpSpPr>
+      <p:grpSpPr>
+        <a:xfrm>
+          <a:off x="0" y="0"/>
+          <a:ext cx="0" cy="0"/>
+          <a:chOff x="0" y="0"/>
+          <a:chExt cx="0" cy="0"/>
+        </a:xfrm>
+      </p:grpSpPr>
+      <p:sp>
+        <p:nvSpPr>
+          <p:cNvPr id="2" name="Titre 1"/>
+          <p:cNvSpPr>
+            <a:spLocks noGrp="1"/>
+          </p:cNvSpPr>
+          <p:nvPr>
+            <p:ph type="title"/>
+          </p:nvPr>
+        </p:nvSpPr>
+        <p:spPr/>
+        <p:txBody>
+          <a:bodyPr/>
+          <a:lstStyle/>
+          <a:p>
+            <a:r>
+              <a:rPr lang="fr-FR"/>
+              <a:t>Modifiez le style du titre</a:t>
+            </a:r>
+          </a:p>
+        </p:txBody>
+      </p:sp>
+      <p:sp>
+        <p:nvSpPr>
+          <p:cNvPr id="3" name="Espace réservé du texte vertical 2"/>
+          <p:cNvSpPr>
+            <a:spLocks noGrp="1"/>
+          </p:cNvSpPr>
+          <p:nvPr>
+            <p:ph type="body" orient="vert" idx="1"/>
+          </p:nvPr>
+        </p:nvSpPr>
+        <p:spPr/>
+        <p:txBody>
+          <a:bodyPr vert="eaVert"/>
+          <a:lstStyle/>
+          <a:p>
+            <a:pPr lvl="0"/>
+            <a:r>
+              <a:rPr lang="fr-FR"/>
+              <a:t>Modifier les styles du texte du masque</a:t>
+            </a:r>
+          </a:p>
+          <a:p>
+            <a:pPr lvl="1"/>
+            <a:r>
+              <a:rPr lang="fr-FR"/>
+              <a:t>Deuxième niveau</a:t>
+            </a:r>
+          </a:p>
+          <a:p>
+            <a:pPr lvl="2"/>
+            <a:r>
+              <a:rPr lang="fr-FR"/>
+              <a:t>Troisième niveau</a:t>
+            </a:r>
+          </a:p>
+          <a:p>
+            <a:pPr lvl="3"/>
+            <a:r>
+              <a:rPr lang="fr-FR"/>
+              <a:t>Quatrième niveau</a:t>
+            </a:r>
+          </a:p>
+          <a:p>
+            <a:pPr lvl="4"/>
+            <a:r>
+              <a:rPr lang="fr-FR"/>
+              <a:t>Cinquième niveau</a:t>
+            </a:r>
+          </a:p>
+        </p:txBody>
+      </p:sp>
+      <p:sp>
+        <p:nvSpPr>
+          <p:cNvPr id="4" name="Espace réservé de la date 3"/>
+          <p:cNvSpPr>
+            <a:spLocks noGrp="1"/>
+          </p:cNvSpPr>
+          <p:nvPr>
+            <p:ph type="dt" sz="half" idx="10"/>
+          </p:nvPr>
+        </p:nvSpPr>
+        <p:spPr/>
+        <p:txBody>
+          <a:bodyPr/>
+          <a:lstStyle/>
+          <a:p>
+            <a:r>
+              <a:rPr lang="fr-FR"/>
+              <a:t>02/05/2017</a:t>
+            </a:r>
+          </a:p>
+        </p:txBody>
+      </p:sp>
+      <p:sp>
+        <p:nvSpPr>
+          <p:cNvPr id="5" name="Espace réservé du pied de page 4"/>
+          <p:cNvSpPr>
+            <a:spLocks noGrp="1"/>
+          </p:cNvSpPr>
+          <p:nvPr>
+            <p:ph type="ftr" sz="quarter" idx="11"/>
+          </p:nvPr>
+        </p:nvSpPr>
+        <p:spPr>
+          <a:xfrm>
+            <a:off x="4038600" y="6356350"/>
+            <a:ext cx="4114800" cy="365125"/>
+          </a:xfrm>
+          <a:prstGeom prst="rect">
+            <a:avLst/>
+          </a:prstGeom>
+        </p:spPr>
+        <p:txBody>
+          <a:bodyPr/>
+          <a:lstStyle/>
+          <a:p>
+            <a:endParaRPr lang="fr-FR"/>
+          </a:p>
+        </p:txBody>
+      </p:sp>
+      <p:sp>
+        <p:nvSpPr>
+          <p:cNvPr id="6" name="Espace réservé du numéro de diapositive 5"/>
+          <p:cNvSpPr>
+            <a:spLocks noGrp="1"/>
+          </p:cNvSpPr>
+          <p:nvPr>
+            <p:ph type="sldNum" sz="quarter" idx="12"/>
+          </p:nvPr>
+        </p:nvSpPr>
+        <p:spPr/>
+        <p:txBody>
+          <a:bodyPr/>
+          <a:lstStyle/>
+          <a:p>
+            <a:fld id="{9CD36147-3E0D-48B3-97AB-EA0EB5E5676E}" type="slidenum">
+              <a:rPr lang="fr-FR" smtClean="0"/>
+              <a:t>‹N°›</a:t>
+            </a:fld>
+            <a:endParaRPr lang="fr-FR"/>
+          </a:p>
+        </p:txBody>
+      </p:sp>
+    </p:spTree>
+    <p:extLst>
+      <p:ext uri="{BB962C8B-B14F-4D97-AF65-F5344CB8AC3E}">
+        <p14:creationId xmlns:p14="http://schemas.microsoft.com/office/powerpoint/2010/main" val="3002918900"/>
+      </p:ext>
+    </p:extLst>
+  </p:cSld>
+  <p:clrMapOvr>
+    <a:masterClrMapping/>
+  </p:clrMapOvr>
+</p:sldLayout>
+</file>
+
+<file path=ppt/slideLayouts/slideLayout2.xml><?xml version="1.0" encoding="utf-8"?>
+<p:sldLayout xmlns:a="http://schemas.openxmlformats.org/drawingml/2006/main" xmlns:r="http://schemas.openxmlformats.org/officeDocument/2006/relationships" xmlns:p="http://schemas.openxmlformats.org/presentationml/2006/main" type="twoObj" preserve="1">
+  <p:cSld name="Deux contenus">
+    <p:spTree>
+      <p:nvGrpSpPr>
+        <p:cNvPr id="1" name=""/>
+        <p:cNvGrpSpPr/>
+        <p:nvPr/>
+      </p:nvGrpSpPr>
+      <p:grpSpPr>
+        <a:xfrm>
+          <a:off x="0" y="0"/>
+          <a:ext cx="0" cy="0"/>
+          <a:chOff x="0" y="0"/>
+          <a:chExt cx="0" cy="0"/>
+        </a:xfrm>
+      </p:grpSpPr>
+      <p:sp>
+        <p:nvSpPr>
+          <p:cNvPr id="2" name="Titre 1"/>
+          <p:cNvSpPr>
+            <a:spLocks noGrp="1"/>
+          </p:cNvSpPr>
+          <p:nvPr>
+            <p:ph type="title"/>
+          </p:nvPr>
+        </p:nvSpPr>
+        <p:spPr/>
+        <p:txBody>
+          <a:bodyPr/>
+          <a:lstStyle/>
+          <a:p>
+            <a:r>
+              <a:rPr lang="fr-FR"/>
+              <a:t>Modifiez le style du titre</a:t>
+            </a:r>
+          </a:p>
+        </p:txBody>
+      </p:sp>
+      <p:sp>
+        <p:nvSpPr>
+          <p:cNvPr id="3" name="Espace réservé du contenu 2"/>
+          <p:cNvSpPr>
+            <a:spLocks noGrp="1"/>
+          </p:cNvSpPr>
+          <p:nvPr>
+            <p:ph sz="half" idx="1"/>
+          </p:nvPr>
+        </p:nvSpPr>
+        <p:spPr>
+          <a:xfrm>
+            <a:off x="838200" y="1825625"/>
+            <a:ext cx="5181600" cy="4351338"/>
+          </a:xfrm>
+        </p:spPr>
+        <p:txBody>
+          <a:bodyPr/>
+          <a:lstStyle/>
+          <a:p>
+            <a:pPr lvl="0"/>
+            <a:r>
+              <a:rPr lang="fr-FR"/>
+              <a:t>Modifier les styles du texte du masque</a:t>
+            </a:r>
+          </a:p>
+          <a:p>
+            <a:pPr lvl="1"/>
+            <a:r>
+              <a:rPr lang="fr-FR"/>
+              <a:t>Deuxième niveau</a:t>
+            </a:r>
+          </a:p>
+          <a:p>
+            <a:pPr lvl="2"/>
+            <a:r>
+              <a:rPr lang="fr-FR"/>
+              <a:t>Troisième niveau</a:t>
+            </a:r>
+          </a:p>
+          <a:p>
+            <a:pPr lvl="3"/>
+            <a:r>
+              <a:rPr lang="fr-FR"/>
+              <a:t>Quatrième niveau</a:t>
+            </a:r>
+          </a:p>
+          <a:p>
+            <a:pPr lvl="4"/>
+            <a:r>
+              <a:rPr lang="fr-FR"/>
+              <a:t>Cinquième niveau</a:t>
+            </a:r>
+          </a:p>
+        </p:txBody>
+      </p:sp>
+      <p:sp>
+        <p:nvSpPr>
+          <p:cNvPr id="4" name="Espace réservé du contenu 3"/>
+          <p:cNvSpPr>
+            <a:spLocks noGrp="1"/>
+          </p:cNvSpPr>
+          <p:nvPr>
+            <p:ph sz="half" idx="2"/>
+          </p:nvPr>
+        </p:nvSpPr>
+        <p:spPr>
+          <a:xfrm>
+            <a:off x="6172200" y="1825625"/>
+            <a:ext cx="5181600" cy="4351338"/>
+          </a:xfrm>
+        </p:spPr>
+        <p:txBody>
+          <a:bodyPr/>
+          <a:lstStyle/>
+          <a:p>
+            <a:pPr lvl="0"/>
+            <a:r>
+              <a:rPr lang="fr-FR"/>
+              <a:t>Modifier les styles du texte du masque</a:t>
+            </a:r>
+          </a:p>
+          <a:p>
+            <a:pPr lvl="1"/>
+            <a:r>
+              <a:rPr lang="fr-FR"/>
+              <a:t>Deuxième niveau</a:t>
+            </a:r>
+          </a:p>
+          <a:p>
+            <a:pPr lvl="2"/>
+            <a:r>
+              <a:rPr lang="fr-FR"/>
+              <a:t>Troisième niveau</a:t>
+            </a:r>
+          </a:p>
+          <a:p>
+            <a:pPr lvl="3"/>
+            <a:r>
+              <a:rPr lang="fr-FR"/>
+              <a:t>Quatrième niveau</a:t>
+            </a:r>
+          </a:p>
+          <a:p>
+            <a:pPr lvl="4"/>
+            <a:r>
+              <a:rPr lang="fr-FR"/>
+              <a:t>Cinquième niveau</a:t>
+            </a:r>
+          </a:p>
+        </p:txBody>
+      </p:sp>
+      <p:sp>
+        <p:nvSpPr>
+          <p:cNvPr id="5" name="Espace réservé de la date 4"/>
+          <p:cNvSpPr>
+            <a:spLocks noGrp="1"/>
+          </p:cNvSpPr>
+          <p:nvPr>
+            <p:ph type="dt" sz="half" idx="10"/>
+          </p:nvPr>
+        </p:nvSpPr>
+        <p:spPr/>
+        <p:txBody>
+          <a:bodyPr/>
+          <a:lstStyle/>
+          <a:p>
             <a:fld id="{68819CA4-E7A2-4638-A266-A5CFC145217E}" type="datetimeFigureOut">
               <a:rPr lang="fr-FR" smtClean="0"/>
               <a:t>01/05/2017</a:t>
@@ -2485,7 +3132,1697 @@
     </p:spTree>
     <p:extLst>
       <p:ext uri="{BB962C8B-B14F-4D97-AF65-F5344CB8AC3E}">
+        <p14:creationId xmlns:p14="http://schemas.microsoft.com/office/powerpoint/2010/main" val="1193077374"/>
+      </p:ext>
+    </p:extLst>
+  </p:cSld>
+  <p:clrMapOvr>
+    <a:masterClrMapping/>
+  </p:clrMapOvr>
+</p:sldLayout>
+</file>
+
+<file path=ppt/slideLayouts/slideLayout20.xml><?xml version="1.0" encoding="utf-8"?>
+<p:sldLayout xmlns:a="http://schemas.openxmlformats.org/drawingml/2006/main" xmlns:r="http://schemas.openxmlformats.org/officeDocument/2006/relationships" xmlns:p="http://schemas.openxmlformats.org/presentationml/2006/main" type="vertTitleAndTx" preserve="1">
+  <p:cSld name="Titre vertical et texte">
+    <p:spTree>
+      <p:nvGrpSpPr>
+        <p:cNvPr id="1" name=""/>
+        <p:cNvGrpSpPr/>
+        <p:nvPr/>
+      </p:nvGrpSpPr>
+      <p:grpSpPr>
+        <a:xfrm>
+          <a:off x="0" y="0"/>
+          <a:ext cx="0" cy="0"/>
+          <a:chOff x="0" y="0"/>
+          <a:chExt cx="0" cy="0"/>
+        </a:xfrm>
+      </p:grpSpPr>
+      <p:sp>
+        <p:nvSpPr>
+          <p:cNvPr id="2" name="Titre vertical 1"/>
+          <p:cNvSpPr>
+            <a:spLocks noGrp="1"/>
+          </p:cNvSpPr>
+          <p:nvPr>
+            <p:ph type="title" orient="vert"/>
+          </p:nvPr>
+        </p:nvSpPr>
+        <p:spPr>
+          <a:xfrm>
+            <a:off x="8724900" y="365125"/>
+            <a:ext cx="2628900" cy="5811838"/>
+          </a:xfrm>
+        </p:spPr>
+        <p:txBody>
+          <a:bodyPr vert="eaVert"/>
+          <a:lstStyle/>
+          <a:p>
+            <a:r>
+              <a:rPr lang="fr-FR"/>
+              <a:t>Modifiez le style du titre</a:t>
+            </a:r>
+          </a:p>
+        </p:txBody>
+      </p:sp>
+      <p:sp>
+        <p:nvSpPr>
+          <p:cNvPr id="3" name="Espace réservé du texte vertical 2"/>
+          <p:cNvSpPr>
+            <a:spLocks noGrp="1"/>
+          </p:cNvSpPr>
+          <p:nvPr>
+            <p:ph type="body" orient="vert" idx="1"/>
+          </p:nvPr>
+        </p:nvSpPr>
+        <p:spPr>
+          <a:xfrm>
+            <a:off x="838200" y="365125"/>
+            <a:ext cx="7734300" cy="5811838"/>
+          </a:xfrm>
+        </p:spPr>
+        <p:txBody>
+          <a:bodyPr vert="eaVert"/>
+          <a:lstStyle/>
+          <a:p>
+            <a:pPr lvl="0"/>
+            <a:r>
+              <a:rPr lang="fr-FR"/>
+              <a:t>Modifier les styles du texte du masque</a:t>
+            </a:r>
+          </a:p>
+          <a:p>
+            <a:pPr lvl="1"/>
+            <a:r>
+              <a:rPr lang="fr-FR"/>
+              <a:t>Deuxième niveau</a:t>
+            </a:r>
+          </a:p>
+          <a:p>
+            <a:pPr lvl="2"/>
+            <a:r>
+              <a:rPr lang="fr-FR"/>
+              <a:t>Troisième niveau</a:t>
+            </a:r>
+          </a:p>
+          <a:p>
+            <a:pPr lvl="3"/>
+            <a:r>
+              <a:rPr lang="fr-FR"/>
+              <a:t>Quatrième niveau</a:t>
+            </a:r>
+          </a:p>
+          <a:p>
+            <a:pPr lvl="4"/>
+            <a:r>
+              <a:rPr lang="fr-FR"/>
+              <a:t>Cinquième niveau</a:t>
+            </a:r>
+          </a:p>
+        </p:txBody>
+      </p:sp>
+      <p:sp>
+        <p:nvSpPr>
+          <p:cNvPr id="4" name="Espace réservé de la date 3"/>
+          <p:cNvSpPr>
+            <a:spLocks noGrp="1"/>
+          </p:cNvSpPr>
+          <p:nvPr>
+            <p:ph type="dt" sz="half" idx="10"/>
+          </p:nvPr>
+        </p:nvSpPr>
+        <p:spPr/>
+        <p:txBody>
+          <a:bodyPr/>
+          <a:lstStyle/>
+          <a:p>
+            <a:r>
+              <a:rPr lang="fr-FR"/>
+              <a:t>02/05/2017</a:t>
+            </a:r>
+          </a:p>
+        </p:txBody>
+      </p:sp>
+      <p:sp>
+        <p:nvSpPr>
+          <p:cNvPr id="5" name="Espace réservé du pied de page 4"/>
+          <p:cNvSpPr>
+            <a:spLocks noGrp="1"/>
+          </p:cNvSpPr>
+          <p:nvPr>
+            <p:ph type="ftr" sz="quarter" idx="11"/>
+          </p:nvPr>
+        </p:nvSpPr>
+        <p:spPr>
+          <a:xfrm>
+            <a:off x="4038600" y="6356350"/>
+            <a:ext cx="4114800" cy="365125"/>
+          </a:xfrm>
+          <a:prstGeom prst="rect">
+            <a:avLst/>
+          </a:prstGeom>
+        </p:spPr>
+        <p:txBody>
+          <a:bodyPr/>
+          <a:lstStyle/>
+          <a:p>
+            <a:endParaRPr lang="fr-FR"/>
+          </a:p>
+        </p:txBody>
+      </p:sp>
+      <p:sp>
+        <p:nvSpPr>
+          <p:cNvPr id="6" name="Espace réservé du numéro de diapositive 5"/>
+          <p:cNvSpPr>
+            <a:spLocks noGrp="1"/>
+          </p:cNvSpPr>
+          <p:nvPr>
+            <p:ph type="sldNum" sz="quarter" idx="12"/>
+          </p:nvPr>
+        </p:nvSpPr>
+        <p:spPr/>
+        <p:txBody>
+          <a:bodyPr/>
+          <a:lstStyle/>
+          <a:p>
+            <a:fld id="{9CD36147-3E0D-48B3-97AB-EA0EB5E5676E}" type="slidenum">
+              <a:rPr lang="fr-FR" smtClean="0"/>
+              <a:t>‹N°›</a:t>
+            </a:fld>
+            <a:endParaRPr lang="fr-FR"/>
+          </a:p>
+        </p:txBody>
+      </p:sp>
+    </p:spTree>
+    <p:extLst>
+      <p:ext uri="{BB962C8B-B14F-4D97-AF65-F5344CB8AC3E}">
+        <p14:creationId xmlns:p14="http://schemas.microsoft.com/office/powerpoint/2010/main" val="3161614037"/>
+      </p:ext>
+    </p:extLst>
+  </p:cSld>
+  <p:clrMapOvr>
+    <a:masterClrMapping/>
+  </p:clrMapOvr>
+</p:sldLayout>
+</file>
+
+<file path=ppt/slideLayouts/slideLayout3.xml><?xml version="1.0" encoding="utf-8"?>
+<p:sldLayout xmlns:a="http://schemas.openxmlformats.org/drawingml/2006/main" xmlns:r="http://schemas.openxmlformats.org/officeDocument/2006/relationships" xmlns:p="http://schemas.openxmlformats.org/presentationml/2006/main" type="twoTxTwoObj" preserve="1">
+  <p:cSld name="Comparaison">
+    <p:spTree>
+      <p:nvGrpSpPr>
+        <p:cNvPr id="1" name=""/>
+        <p:cNvGrpSpPr/>
+        <p:nvPr/>
+      </p:nvGrpSpPr>
+      <p:grpSpPr>
+        <a:xfrm>
+          <a:off x="0" y="0"/>
+          <a:ext cx="0" cy="0"/>
+          <a:chOff x="0" y="0"/>
+          <a:chExt cx="0" cy="0"/>
+        </a:xfrm>
+      </p:grpSpPr>
+      <p:sp>
+        <p:nvSpPr>
+          <p:cNvPr id="2" name="Titre 1"/>
+          <p:cNvSpPr>
+            <a:spLocks noGrp="1"/>
+          </p:cNvSpPr>
+          <p:nvPr>
+            <p:ph type="title"/>
+          </p:nvPr>
+        </p:nvSpPr>
+        <p:spPr>
+          <a:xfrm>
+            <a:off x="839788" y="365125"/>
+            <a:ext cx="10515600" cy="1325563"/>
+          </a:xfrm>
+        </p:spPr>
+        <p:txBody>
+          <a:bodyPr/>
+          <a:lstStyle/>
+          <a:p>
+            <a:r>
+              <a:rPr lang="fr-FR"/>
+              <a:t>Modifiez le style du titre</a:t>
+            </a:r>
+          </a:p>
+        </p:txBody>
+      </p:sp>
+      <p:sp>
+        <p:nvSpPr>
+          <p:cNvPr id="3" name="Espace réservé du texte 2"/>
+          <p:cNvSpPr>
+            <a:spLocks noGrp="1"/>
+          </p:cNvSpPr>
+          <p:nvPr>
+            <p:ph type="body" idx="1"/>
+          </p:nvPr>
+        </p:nvSpPr>
+        <p:spPr>
+          <a:xfrm>
+            <a:off x="839788" y="1681163"/>
+            <a:ext cx="5157787" cy="823912"/>
+          </a:xfrm>
+        </p:spPr>
+        <p:txBody>
+          <a:bodyPr anchor="b"/>
+          <a:lstStyle>
+            <a:lvl1pPr marL="0" indent="0">
+              <a:buNone/>
+              <a:defRPr sz="2400" b="1"/>
+            </a:lvl1pPr>
+            <a:lvl2pPr marL="457200" indent="0">
+              <a:buNone/>
+              <a:defRPr sz="2000" b="1"/>
+            </a:lvl2pPr>
+            <a:lvl3pPr marL="914400" indent="0">
+              <a:buNone/>
+              <a:defRPr sz="1800" b="1"/>
+            </a:lvl3pPr>
+            <a:lvl4pPr marL="1371600" indent="0">
+              <a:buNone/>
+              <a:defRPr sz="1600" b="1"/>
+            </a:lvl4pPr>
+            <a:lvl5pPr marL="1828800" indent="0">
+              <a:buNone/>
+              <a:defRPr sz="1600" b="1"/>
+            </a:lvl5pPr>
+            <a:lvl6pPr marL="2286000" indent="0">
+              <a:buNone/>
+              <a:defRPr sz="1600" b="1"/>
+            </a:lvl6pPr>
+            <a:lvl7pPr marL="2743200" indent="0">
+              <a:buNone/>
+              <a:defRPr sz="1600" b="1"/>
+            </a:lvl7pPr>
+            <a:lvl8pPr marL="3200400" indent="0">
+              <a:buNone/>
+              <a:defRPr sz="1600" b="1"/>
+            </a:lvl8pPr>
+            <a:lvl9pPr marL="3657600" indent="0">
+              <a:buNone/>
+              <a:defRPr sz="1600" b="1"/>
+            </a:lvl9pPr>
+          </a:lstStyle>
+          <a:p>
+            <a:pPr lvl="0"/>
+            <a:r>
+              <a:rPr lang="fr-FR"/>
+              <a:t>Modifier les styles du texte du masque</a:t>
+            </a:r>
+          </a:p>
+        </p:txBody>
+      </p:sp>
+      <p:sp>
+        <p:nvSpPr>
+          <p:cNvPr id="4" name="Espace réservé du contenu 3"/>
+          <p:cNvSpPr>
+            <a:spLocks noGrp="1"/>
+          </p:cNvSpPr>
+          <p:nvPr>
+            <p:ph sz="half" idx="2"/>
+          </p:nvPr>
+        </p:nvSpPr>
+        <p:spPr>
+          <a:xfrm>
+            <a:off x="839788" y="2505075"/>
+            <a:ext cx="5157787" cy="3684588"/>
+          </a:xfrm>
+        </p:spPr>
+        <p:txBody>
+          <a:bodyPr/>
+          <a:lstStyle/>
+          <a:p>
+            <a:pPr lvl="0"/>
+            <a:r>
+              <a:rPr lang="fr-FR"/>
+              <a:t>Modifier les styles du texte du masque</a:t>
+            </a:r>
+          </a:p>
+          <a:p>
+            <a:pPr lvl="1"/>
+            <a:r>
+              <a:rPr lang="fr-FR"/>
+              <a:t>Deuxième niveau</a:t>
+            </a:r>
+          </a:p>
+          <a:p>
+            <a:pPr lvl="2"/>
+            <a:r>
+              <a:rPr lang="fr-FR"/>
+              <a:t>Troisième niveau</a:t>
+            </a:r>
+          </a:p>
+          <a:p>
+            <a:pPr lvl="3"/>
+            <a:r>
+              <a:rPr lang="fr-FR"/>
+              <a:t>Quatrième niveau</a:t>
+            </a:r>
+          </a:p>
+          <a:p>
+            <a:pPr lvl="4"/>
+            <a:r>
+              <a:rPr lang="fr-FR"/>
+              <a:t>Cinquième niveau</a:t>
+            </a:r>
+          </a:p>
+        </p:txBody>
+      </p:sp>
+      <p:sp>
+        <p:nvSpPr>
+          <p:cNvPr id="5" name="Espace réservé du texte 4"/>
+          <p:cNvSpPr>
+            <a:spLocks noGrp="1"/>
+          </p:cNvSpPr>
+          <p:nvPr>
+            <p:ph type="body" sz="quarter" idx="3"/>
+          </p:nvPr>
+        </p:nvSpPr>
+        <p:spPr>
+          <a:xfrm>
+            <a:off x="6172200" y="1681163"/>
+            <a:ext cx="5183188" cy="823912"/>
+          </a:xfrm>
+        </p:spPr>
+        <p:txBody>
+          <a:bodyPr anchor="b"/>
+          <a:lstStyle>
+            <a:lvl1pPr marL="0" indent="0">
+              <a:buNone/>
+              <a:defRPr sz="2400" b="1"/>
+            </a:lvl1pPr>
+            <a:lvl2pPr marL="457200" indent="0">
+              <a:buNone/>
+              <a:defRPr sz="2000" b="1"/>
+            </a:lvl2pPr>
+            <a:lvl3pPr marL="914400" indent="0">
+              <a:buNone/>
+              <a:defRPr sz="1800" b="1"/>
+            </a:lvl3pPr>
+            <a:lvl4pPr marL="1371600" indent="0">
+              <a:buNone/>
+              <a:defRPr sz="1600" b="1"/>
+            </a:lvl4pPr>
+            <a:lvl5pPr marL="1828800" indent="0">
+              <a:buNone/>
+              <a:defRPr sz="1600" b="1"/>
+            </a:lvl5pPr>
+            <a:lvl6pPr marL="2286000" indent="0">
+              <a:buNone/>
+              <a:defRPr sz="1600" b="1"/>
+            </a:lvl6pPr>
+            <a:lvl7pPr marL="2743200" indent="0">
+              <a:buNone/>
+              <a:defRPr sz="1600" b="1"/>
+            </a:lvl7pPr>
+            <a:lvl8pPr marL="3200400" indent="0">
+              <a:buNone/>
+              <a:defRPr sz="1600" b="1"/>
+            </a:lvl8pPr>
+            <a:lvl9pPr marL="3657600" indent="0">
+              <a:buNone/>
+              <a:defRPr sz="1600" b="1"/>
+            </a:lvl9pPr>
+          </a:lstStyle>
+          <a:p>
+            <a:pPr lvl="0"/>
+            <a:r>
+              <a:rPr lang="fr-FR"/>
+              <a:t>Modifier les styles du texte du masque</a:t>
+            </a:r>
+          </a:p>
+        </p:txBody>
+      </p:sp>
+      <p:sp>
+        <p:nvSpPr>
+          <p:cNvPr id="6" name="Espace réservé du contenu 5"/>
+          <p:cNvSpPr>
+            <a:spLocks noGrp="1"/>
+          </p:cNvSpPr>
+          <p:nvPr>
+            <p:ph sz="quarter" idx="4"/>
+          </p:nvPr>
+        </p:nvSpPr>
+        <p:spPr>
+          <a:xfrm>
+            <a:off x="6172200" y="2505075"/>
+            <a:ext cx="5183188" cy="3684588"/>
+          </a:xfrm>
+        </p:spPr>
+        <p:txBody>
+          <a:bodyPr/>
+          <a:lstStyle/>
+          <a:p>
+            <a:pPr lvl="0"/>
+            <a:r>
+              <a:rPr lang="fr-FR"/>
+              <a:t>Modifier les styles du texte du masque</a:t>
+            </a:r>
+          </a:p>
+          <a:p>
+            <a:pPr lvl="1"/>
+            <a:r>
+              <a:rPr lang="fr-FR"/>
+              <a:t>Deuxième niveau</a:t>
+            </a:r>
+          </a:p>
+          <a:p>
+            <a:pPr lvl="2"/>
+            <a:r>
+              <a:rPr lang="fr-FR"/>
+              <a:t>Troisième niveau</a:t>
+            </a:r>
+          </a:p>
+          <a:p>
+            <a:pPr lvl="3"/>
+            <a:r>
+              <a:rPr lang="fr-FR"/>
+              <a:t>Quatrième niveau</a:t>
+            </a:r>
+          </a:p>
+          <a:p>
+            <a:pPr lvl="4"/>
+            <a:r>
+              <a:rPr lang="fr-FR"/>
+              <a:t>Cinquième niveau</a:t>
+            </a:r>
+          </a:p>
+        </p:txBody>
+      </p:sp>
+      <p:sp>
+        <p:nvSpPr>
+          <p:cNvPr id="7" name="Espace réservé de la date 6"/>
+          <p:cNvSpPr>
+            <a:spLocks noGrp="1"/>
+          </p:cNvSpPr>
+          <p:nvPr>
+            <p:ph type="dt" sz="half" idx="10"/>
+          </p:nvPr>
+        </p:nvSpPr>
+        <p:spPr/>
+        <p:txBody>
+          <a:bodyPr/>
+          <a:lstStyle/>
+          <a:p>
+            <a:fld id="{68819CA4-E7A2-4638-A266-A5CFC145217E}" type="datetimeFigureOut">
+              <a:rPr lang="fr-FR" smtClean="0"/>
+              <a:t>01/05/2017</a:t>
+            </a:fld>
+            <a:endParaRPr lang="fr-FR"/>
+          </a:p>
+        </p:txBody>
+      </p:sp>
+      <p:sp>
+        <p:nvSpPr>
+          <p:cNvPr id="8" name="Espace réservé du pied de page 7"/>
+          <p:cNvSpPr>
+            <a:spLocks noGrp="1"/>
+          </p:cNvSpPr>
+          <p:nvPr>
+            <p:ph type="ftr" sz="quarter" idx="11"/>
+          </p:nvPr>
+        </p:nvSpPr>
+        <p:spPr>
+          <a:xfrm>
+            <a:off x="4038600" y="6356350"/>
+            <a:ext cx="4114800" cy="365125"/>
+          </a:xfrm>
+          <a:prstGeom prst="rect">
+            <a:avLst/>
+          </a:prstGeom>
+        </p:spPr>
+        <p:txBody>
+          <a:bodyPr/>
+          <a:lstStyle/>
+          <a:p>
+            <a:endParaRPr lang="fr-FR"/>
+          </a:p>
+        </p:txBody>
+      </p:sp>
+      <p:sp>
+        <p:nvSpPr>
+          <p:cNvPr id="9" name="Espace réservé du numéro de diapositive 8"/>
+          <p:cNvSpPr>
+            <a:spLocks noGrp="1"/>
+          </p:cNvSpPr>
+          <p:nvPr>
+            <p:ph type="sldNum" sz="quarter" idx="12"/>
+          </p:nvPr>
+        </p:nvSpPr>
+        <p:spPr/>
+        <p:txBody>
+          <a:bodyPr/>
+          <a:lstStyle/>
+          <a:p>
+            <a:fld id="{9CD36147-3E0D-48B3-97AB-EA0EB5E5676E}" type="slidenum">
+              <a:rPr lang="fr-FR" smtClean="0"/>
+              <a:t>‹N°›</a:t>
+            </a:fld>
+            <a:endParaRPr lang="fr-FR"/>
+          </a:p>
+        </p:txBody>
+      </p:sp>
+    </p:spTree>
+    <p:extLst>
+      <p:ext uri="{BB962C8B-B14F-4D97-AF65-F5344CB8AC3E}">
+        <p14:creationId xmlns:p14="http://schemas.microsoft.com/office/powerpoint/2010/main" val="2000521671"/>
+      </p:ext>
+    </p:extLst>
+  </p:cSld>
+  <p:clrMapOvr>
+    <a:masterClrMapping/>
+  </p:clrMapOvr>
+</p:sldLayout>
+</file>
+
+<file path=ppt/slideLayouts/slideLayout4.xml><?xml version="1.0" encoding="utf-8"?>
+<p:sldLayout xmlns:a="http://schemas.openxmlformats.org/drawingml/2006/main" xmlns:r="http://schemas.openxmlformats.org/officeDocument/2006/relationships" xmlns:p="http://schemas.openxmlformats.org/presentationml/2006/main" type="titleOnly" preserve="1">
+  <p:cSld name="Titre seul">
+    <p:spTree>
+      <p:nvGrpSpPr>
+        <p:cNvPr id="1" name=""/>
+        <p:cNvGrpSpPr/>
+        <p:nvPr/>
+      </p:nvGrpSpPr>
+      <p:grpSpPr>
+        <a:xfrm>
+          <a:off x="0" y="0"/>
+          <a:ext cx="0" cy="0"/>
+          <a:chOff x="0" y="0"/>
+          <a:chExt cx="0" cy="0"/>
+        </a:xfrm>
+      </p:grpSpPr>
+      <p:sp>
+        <p:nvSpPr>
+          <p:cNvPr id="2" name="Titre 1"/>
+          <p:cNvSpPr>
+            <a:spLocks noGrp="1"/>
+          </p:cNvSpPr>
+          <p:nvPr>
+            <p:ph type="title"/>
+          </p:nvPr>
+        </p:nvSpPr>
+        <p:spPr/>
+        <p:txBody>
+          <a:bodyPr/>
+          <a:lstStyle/>
+          <a:p>
+            <a:r>
+              <a:rPr lang="fr-FR"/>
+              <a:t>Modifiez le style du titre</a:t>
+            </a:r>
+          </a:p>
+        </p:txBody>
+      </p:sp>
+      <p:sp>
+        <p:nvSpPr>
+          <p:cNvPr id="3" name="Espace réservé de la date 2"/>
+          <p:cNvSpPr>
+            <a:spLocks noGrp="1"/>
+          </p:cNvSpPr>
+          <p:nvPr>
+            <p:ph type="dt" sz="half" idx="10"/>
+          </p:nvPr>
+        </p:nvSpPr>
+        <p:spPr/>
+        <p:txBody>
+          <a:bodyPr/>
+          <a:lstStyle/>
+          <a:p>
+            <a:fld id="{68819CA4-E7A2-4638-A266-A5CFC145217E}" type="datetimeFigureOut">
+              <a:rPr lang="fr-FR" smtClean="0"/>
+              <a:t>01/05/2017</a:t>
+            </a:fld>
+            <a:endParaRPr lang="fr-FR"/>
+          </a:p>
+        </p:txBody>
+      </p:sp>
+      <p:sp>
+        <p:nvSpPr>
+          <p:cNvPr id="4" name="Espace réservé du pied de page 3"/>
+          <p:cNvSpPr>
+            <a:spLocks noGrp="1"/>
+          </p:cNvSpPr>
+          <p:nvPr>
+            <p:ph type="ftr" sz="quarter" idx="11"/>
+          </p:nvPr>
+        </p:nvSpPr>
+        <p:spPr>
+          <a:xfrm>
+            <a:off x="4038600" y="6356350"/>
+            <a:ext cx="4114800" cy="365125"/>
+          </a:xfrm>
+          <a:prstGeom prst="rect">
+            <a:avLst/>
+          </a:prstGeom>
+        </p:spPr>
+        <p:txBody>
+          <a:bodyPr/>
+          <a:lstStyle/>
+          <a:p>
+            <a:endParaRPr lang="fr-FR"/>
+          </a:p>
+        </p:txBody>
+      </p:sp>
+      <p:sp>
+        <p:nvSpPr>
+          <p:cNvPr id="5" name="Espace réservé du numéro de diapositive 4"/>
+          <p:cNvSpPr>
+            <a:spLocks noGrp="1"/>
+          </p:cNvSpPr>
+          <p:nvPr>
+            <p:ph type="sldNum" sz="quarter" idx="12"/>
+          </p:nvPr>
+        </p:nvSpPr>
+        <p:spPr/>
+        <p:txBody>
+          <a:bodyPr/>
+          <a:lstStyle/>
+          <a:p>
+            <a:fld id="{9CD36147-3E0D-48B3-97AB-EA0EB5E5676E}" type="slidenum">
+              <a:rPr lang="fr-FR" smtClean="0"/>
+              <a:t>‹N°›</a:t>
+            </a:fld>
+            <a:endParaRPr lang="fr-FR"/>
+          </a:p>
+        </p:txBody>
+      </p:sp>
+    </p:spTree>
+    <p:extLst>
+      <p:ext uri="{BB962C8B-B14F-4D97-AF65-F5344CB8AC3E}">
+        <p14:creationId xmlns:p14="http://schemas.microsoft.com/office/powerpoint/2010/main" val="3874944078"/>
+      </p:ext>
+    </p:extLst>
+  </p:cSld>
+  <p:clrMapOvr>
+    <a:masterClrMapping/>
+  </p:clrMapOvr>
+</p:sldLayout>
+</file>
+
+<file path=ppt/slideLayouts/slideLayout5.xml><?xml version="1.0" encoding="utf-8"?>
+<p:sldLayout xmlns:a="http://schemas.openxmlformats.org/drawingml/2006/main" xmlns:r="http://schemas.openxmlformats.org/officeDocument/2006/relationships" xmlns:p="http://schemas.openxmlformats.org/presentationml/2006/main" type="blank" preserve="1">
+  <p:cSld name="Vide">
+    <p:spTree>
+      <p:nvGrpSpPr>
+        <p:cNvPr id="1" name=""/>
+        <p:cNvGrpSpPr/>
+        <p:nvPr/>
+      </p:nvGrpSpPr>
+      <p:grpSpPr>
+        <a:xfrm>
+          <a:off x="0" y="0"/>
+          <a:ext cx="0" cy="0"/>
+          <a:chOff x="0" y="0"/>
+          <a:chExt cx="0" cy="0"/>
+        </a:xfrm>
+      </p:grpSpPr>
+      <p:sp>
+        <p:nvSpPr>
+          <p:cNvPr id="2" name="Espace réservé de la date 1"/>
+          <p:cNvSpPr>
+            <a:spLocks noGrp="1"/>
+          </p:cNvSpPr>
+          <p:nvPr>
+            <p:ph type="dt" sz="half" idx="10"/>
+          </p:nvPr>
+        </p:nvSpPr>
+        <p:spPr/>
+        <p:txBody>
+          <a:bodyPr/>
+          <a:lstStyle/>
+          <a:p>
+            <a:fld id="{68819CA4-E7A2-4638-A266-A5CFC145217E}" type="datetimeFigureOut">
+              <a:rPr lang="fr-FR" smtClean="0"/>
+              <a:t>01/05/2017</a:t>
+            </a:fld>
+            <a:endParaRPr lang="fr-FR"/>
+          </a:p>
+        </p:txBody>
+      </p:sp>
+      <p:sp>
+        <p:nvSpPr>
+          <p:cNvPr id="3" name="Espace réservé du pied de page 2"/>
+          <p:cNvSpPr>
+            <a:spLocks noGrp="1"/>
+          </p:cNvSpPr>
+          <p:nvPr>
+            <p:ph type="ftr" sz="quarter" idx="11"/>
+          </p:nvPr>
+        </p:nvSpPr>
+        <p:spPr>
+          <a:xfrm>
+            <a:off x="4038600" y="6356350"/>
+            <a:ext cx="4114800" cy="365125"/>
+          </a:xfrm>
+          <a:prstGeom prst="rect">
+            <a:avLst/>
+          </a:prstGeom>
+        </p:spPr>
+        <p:txBody>
+          <a:bodyPr/>
+          <a:lstStyle/>
+          <a:p>
+            <a:endParaRPr lang="fr-FR"/>
+          </a:p>
+        </p:txBody>
+      </p:sp>
+      <p:sp>
+        <p:nvSpPr>
+          <p:cNvPr id="4" name="Espace réservé du numéro de diapositive 3"/>
+          <p:cNvSpPr>
+            <a:spLocks noGrp="1"/>
+          </p:cNvSpPr>
+          <p:nvPr>
+            <p:ph type="sldNum" sz="quarter" idx="12"/>
+          </p:nvPr>
+        </p:nvSpPr>
+        <p:spPr/>
+        <p:txBody>
+          <a:bodyPr/>
+          <a:lstStyle/>
+          <a:p>
+            <a:fld id="{9CD36147-3E0D-48B3-97AB-EA0EB5E5676E}" type="slidenum">
+              <a:rPr lang="fr-FR" smtClean="0"/>
+              <a:t>‹N°›</a:t>
+            </a:fld>
+            <a:endParaRPr lang="fr-FR"/>
+          </a:p>
+        </p:txBody>
+      </p:sp>
+    </p:spTree>
+    <p:extLst>
+      <p:ext uri="{BB962C8B-B14F-4D97-AF65-F5344CB8AC3E}">
+        <p14:creationId xmlns:p14="http://schemas.microsoft.com/office/powerpoint/2010/main" val="1496623121"/>
+      </p:ext>
+    </p:extLst>
+  </p:cSld>
+  <p:clrMapOvr>
+    <a:masterClrMapping/>
+  </p:clrMapOvr>
+</p:sldLayout>
+</file>
+
+<file path=ppt/slideLayouts/slideLayout6.xml><?xml version="1.0" encoding="utf-8"?>
+<p:sldLayout xmlns:a="http://schemas.openxmlformats.org/drawingml/2006/main" xmlns:r="http://schemas.openxmlformats.org/officeDocument/2006/relationships" xmlns:p="http://schemas.openxmlformats.org/presentationml/2006/main" type="objTx" preserve="1">
+  <p:cSld name="Contenu avec légende">
+    <p:spTree>
+      <p:nvGrpSpPr>
+        <p:cNvPr id="1" name=""/>
+        <p:cNvGrpSpPr/>
+        <p:nvPr/>
+      </p:nvGrpSpPr>
+      <p:grpSpPr>
+        <a:xfrm>
+          <a:off x="0" y="0"/>
+          <a:ext cx="0" cy="0"/>
+          <a:chOff x="0" y="0"/>
+          <a:chExt cx="0" cy="0"/>
+        </a:xfrm>
+      </p:grpSpPr>
+      <p:sp>
+        <p:nvSpPr>
+          <p:cNvPr id="2" name="Titre 1"/>
+          <p:cNvSpPr>
+            <a:spLocks noGrp="1"/>
+          </p:cNvSpPr>
+          <p:nvPr>
+            <p:ph type="title"/>
+          </p:nvPr>
+        </p:nvSpPr>
+        <p:spPr>
+          <a:xfrm>
+            <a:off x="839788" y="457200"/>
+            <a:ext cx="3932237" cy="1600200"/>
+          </a:xfrm>
+        </p:spPr>
+        <p:txBody>
+          <a:bodyPr anchor="b"/>
+          <a:lstStyle>
+            <a:lvl1pPr>
+              <a:defRPr sz="3200"/>
+            </a:lvl1pPr>
+          </a:lstStyle>
+          <a:p>
+            <a:r>
+              <a:rPr lang="fr-FR"/>
+              <a:t>Modifiez le style du titre</a:t>
+            </a:r>
+          </a:p>
+        </p:txBody>
+      </p:sp>
+      <p:sp>
+        <p:nvSpPr>
+          <p:cNvPr id="3" name="Espace réservé du contenu 2"/>
+          <p:cNvSpPr>
+            <a:spLocks noGrp="1"/>
+          </p:cNvSpPr>
+          <p:nvPr>
+            <p:ph idx="1"/>
+          </p:nvPr>
+        </p:nvSpPr>
+        <p:spPr>
+          <a:xfrm>
+            <a:off x="5183188" y="987425"/>
+            <a:ext cx="6172200" cy="4873625"/>
+          </a:xfrm>
+        </p:spPr>
+        <p:txBody>
+          <a:bodyPr/>
+          <a:lstStyle>
+            <a:lvl1pPr>
+              <a:defRPr sz="3200"/>
+            </a:lvl1pPr>
+            <a:lvl2pPr>
+              <a:defRPr sz="2800"/>
+            </a:lvl2pPr>
+            <a:lvl3pPr>
+              <a:defRPr sz="2400"/>
+            </a:lvl3pPr>
+            <a:lvl4pPr>
+              <a:defRPr sz="2000"/>
+            </a:lvl4pPr>
+            <a:lvl5pPr>
+              <a:defRPr sz="2000"/>
+            </a:lvl5pPr>
+            <a:lvl6pPr>
+              <a:defRPr sz="2000"/>
+            </a:lvl6pPr>
+            <a:lvl7pPr>
+              <a:defRPr sz="2000"/>
+            </a:lvl7pPr>
+            <a:lvl8pPr>
+              <a:defRPr sz="2000"/>
+            </a:lvl8pPr>
+            <a:lvl9pPr>
+              <a:defRPr sz="2000"/>
+            </a:lvl9pPr>
+          </a:lstStyle>
+          <a:p>
+            <a:pPr lvl="0"/>
+            <a:r>
+              <a:rPr lang="fr-FR"/>
+              <a:t>Modifier les styles du texte du masque</a:t>
+            </a:r>
+          </a:p>
+          <a:p>
+            <a:pPr lvl="1"/>
+            <a:r>
+              <a:rPr lang="fr-FR"/>
+              <a:t>Deuxième niveau</a:t>
+            </a:r>
+          </a:p>
+          <a:p>
+            <a:pPr lvl="2"/>
+            <a:r>
+              <a:rPr lang="fr-FR"/>
+              <a:t>Troisième niveau</a:t>
+            </a:r>
+          </a:p>
+          <a:p>
+            <a:pPr lvl="3"/>
+            <a:r>
+              <a:rPr lang="fr-FR"/>
+              <a:t>Quatrième niveau</a:t>
+            </a:r>
+          </a:p>
+          <a:p>
+            <a:pPr lvl="4"/>
+            <a:r>
+              <a:rPr lang="fr-FR"/>
+              <a:t>Cinquième niveau</a:t>
+            </a:r>
+          </a:p>
+        </p:txBody>
+      </p:sp>
+      <p:sp>
+        <p:nvSpPr>
+          <p:cNvPr id="4" name="Espace réservé du texte 3"/>
+          <p:cNvSpPr>
+            <a:spLocks noGrp="1"/>
+          </p:cNvSpPr>
+          <p:nvPr>
+            <p:ph type="body" sz="half" idx="2"/>
+          </p:nvPr>
+        </p:nvSpPr>
+        <p:spPr>
+          <a:xfrm>
+            <a:off x="839788" y="2057400"/>
+            <a:ext cx="3932237" cy="3811588"/>
+          </a:xfrm>
+        </p:spPr>
+        <p:txBody>
+          <a:bodyPr/>
+          <a:lstStyle>
+            <a:lvl1pPr marL="0" indent="0">
+              <a:buNone/>
+              <a:defRPr sz="1600"/>
+            </a:lvl1pPr>
+            <a:lvl2pPr marL="457200" indent="0">
+              <a:buNone/>
+              <a:defRPr sz="1400"/>
+            </a:lvl2pPr>
+            <a:lvl3pPr marL="914400" indent="0">
+              <a:buNone/>
+              <a:defRPr sz="1200"/>
+            </a:lvl3pPr>
+            <a:lvl4pPr marL="1371600" indent="0">
+              <a:buNone/>
+              <a:defRPr sz="1000"/>
+            </a:lvl4pPr>
+            <a:lvl5pPr marL="1828800" indent="0">
+              <a:buNone/>
+              <a:defRPr sz="1000"/>
+            </a:lvl5pPr>
+            <a:lvl6pPr marL="2286000" indent="0">
+              <a:buNone/>
+              <a:defRPr sz="1000"/>
+            </a:lvl6pPr>
+            <a:lvl7pPr marL="2743200" indent="0">
+              <a:buNone/>
+              <a:defRPr sz="1000"/>
+            </a:lvl7pPr>
+            <a:lvl8pPr marL="3200400" indent="0">
+              <a:buNone/>
+              <a:defRPr sz="1000"/>
+            </a:lvl8pPr>
+            <a:lvl9pPr marL="3657600" indent="0">
+              <a:buNone/>
+              <a:defRPr sz="1000"/>
+            </a:lvl9pPr>
+          </a:lstStyle>
+          <a:p>
+            <a:pPr lvl="0"/>
+            <a:r>
+              <a:rPr lang="fr-FR"/>
+              <a:t>Modifier les styles du texte du masque</a:t>
+            </a:r>
+          </a:p>
+        </p:txBody>
+      </p:sp>
+      <p:sp>
+        <p:nvSpPr>
+          <p:cNvPr id="5" name="Espace réservé de la date 4"/>
+          <p:cNvSpPr>
+            <a:spLocks noGrp="1"/>
+          </p:cNvSpPr>
+          <p:nvPr>
+            <p:ph type="dt" sz="half" idx="10"/>
+          </p:nvPr>
+        </p:nvSpPr>
+        <p:spPr/>
+        <p:txBody>
+          <a:bodyPr/>
+          <a:lstStyle/>
+          <a:p>
+            <a:fld id="{68819CA4-E7A2-4638-A266-A5CFC145217E}" type="datetimeFigureOut">
+              <a:rPr lang="fr-FR" smtClean="0"/>
+              <a:t>01/05/2017</a:t>
+            </a:fld>
+            <a:endParaRPr lang="fr-FR"/>
+          </a:p>
+        </p:txBody>
+      </p:sp>
+      <p:sp>
+        <p:nvSpPr>
+          <p:cNvPr id="6" name="Espace réservé du pied de page 5"/>
+          <p:cNvSpPr>
+            <a:spLocks noGrp="1"/>
+          </p:cNvSpPr>
+          <p:nvPr>
+            <p:ph type="ftr" sz="quarter" idx="11"/>
+          </p:nvPr>
+        </p:nvSpPr>
+        <p:spPr>
+          <a:xfrm>
+            <a:off x="4038600" y="6356350"/>
+            <a:ext cx="4114800" cy="365125"/>
+          </a:xfrm>
+          <a:prstGeom prst="rect">
+            <a:avLst/>
+          </a:prstGeom>
+        </p:spPr>
+        <p:txBody>
+          <a:bodyPr/>
+          <a:lstStyle/>
+          <a:p>
+            <a:endParaRPr lang="fr-FR"/>
+          </a:p>
+        </p:txBody>
+      </p:sp>
+      <p:sp>
+        <p:nvSpPr>
+          <p:cNvPr id="7" name="Espace réservé du numéro de diapositive 6"/>
+          <p:cNvSpPr>
+            <a:spLocks noGrp="1"/>
+          </p:cNvSpPr>
+          <p:nvPr>
+            <p:ph type="sldNum" sz="quarter" idx="12"/>
+          </p:nvPr>
+        </p:nvSpPr>
+        <p:spPr/>
+        <p:txBody>
+          <a:bodyPr/>
+          <a:lstStyle/>
+          <a:p>
+            <a:fld id="{9CD36147-3E0D-48B3-97AB-EA0EB5E5676E}" type="slidenum">
+              <a:rPr lang="fr-FR" smtClean="0"/>
+              <a:t>‹N°›</a:t>
+            </a:fld>
+            <a:endParaRPr lang="fr-FR"/>
+          </a:p>
+        </p:txBody>
+      </p:sp>
+    </p:spTree>
+    <p:extLst>
+      <p:ext uri="{BB962C8B-B14F-4D97-AF65-F5344CB8AC3E}">
+        <p14:creationId xmlns:p14="http://schemas.microsoft.com/office/powerpoint/2010/main" val="1212000979"/>
+      </p:ext>
+    </p:extLst>
+  </p:cSld>
+  <p:clrMapOvr>
+    <a:masterClrMapping/>
+  </p:clrMapOvr>
+</p:sldLayout>
+</file>
+
+<file path=ppt/slideLayouts/slideLayout7.xml><?xml version="1.0" encoding="utf-8"?>
+<p:sldLayout xmlns:a="http://schemas.openxmlformats.org/drawingml/2006/main" xmlns:r="http://schemas.openxmlformats.org/officeDocument/2006/relationships" xmlns:p="http://schemas.openxmlformats.org/presentationml/2006/main" type="picTx" preserve="1">
+  <p:cSld name="Image avec légende">
+    <p:spTree>
+      <p:nvGrpSpPr>
+        <p:cNvPr id="1" name=""/>
+        <p:cNvGrpSpPr/>
+        <p:nvPr/>
+      </p:nvGrpSpPr>
+      <p:grpSpPr>
+        <a:xfrm>
+          <a:off x="0" y="0"/>
+          <a:ext cx="0" cy="0"/>
+          <a:chOff x="0" y="0"/>
+          <a:chExt cx="0" cy="0"/>
+        </a:xfrm>
+      </p:grpSpPr>
+      <p:sp>
+        <p:nvSpPr>
+          <p:cNvPr id="2" name="Titre 1"/>
+          <p:cNvSpPr>
+            <a:spLocks noGrp="1"/>
+          </p:cNvSpPr>
+          <p:nvPr>
+            <p:ph type="title"/>
+          </p:nvPr>
+        </p:nvSpPr>
+        <p:spPr>
+          <a:xfrm>
+            <a:off x="839788" y="457200"/>
+            <a:ext cx="3932237" cy="1600200"/>
+          </a:xfrm>
+        </p:spPr>
+        <p:txBody>
+          <a:bodyPr anchor="b"/>
+          <a:lstStyle>
+            <a:lvl1pPr>
+              <a:defRPr sz="3200"/>
+            </a:lvl1pPr>
+          </a:lstStyle>
+          <a:p>
+            <a:r>
+              <a:rPr lang="fr-FR"/>
+              <a:t>Modifiez le style du titre</a:t>
+            </a:r>
+          </a:p>
+        </p:txBody>
+      </p:sp>
+      <p:sp>
+        <p:nvSpPr>
+          <p:cNvPr id="3" name="Espace réservé pour une image  2"/>
+          <p:cNvSpPr>
+            <a:spLocks noGrp="1"/>
+          </p:cNvSpPr>
+          <p:nvPr>
+            <p:ph type="pic" idx="1"/>
+          </p:nvPr>
+        </p:nvSpPr>
+        <p:spPr>
+          <a:xfrm>
+            <a:off x="5183188" y="987425"/>
+            <a:ext cx="6172200" cy="4873625"/>
+          </a:xfrm>
+        </p:spPr>
+        <p:txBody>
+          <a:bodyPr/>
+          <a:lstStyle>
+            <a:lvl1pPr marL="0" indent="0">
+              <a:buNone/>
+              <a:defRPr sz="3200"/>
+            </a:lvl1pPr>
+            <a:lvl2pPr marL="457200" indent="0">
+              <a:buNone/>
+              <a:defRPr sz="2800"/>
+            </a:lvl2pPr>
+            <a:lvl3pPr marL="914400" indent="0">
+              <a:buNone/>
+              <a:defRPr sz="2400"/>
+            </a:lvl3pPr>
+            <a:lvl4pPr marL="1371600" indent="0">
+              <a:buNone/>
+              <a:defRPr sz="2000"/>
+            </a:lvl4pPr>
+            <a:lvl5pPr marL="1828800" indent="0">
+              <a:buNone/>
+              <a:defRPr sz="2000"/>
+            </a:lvl5pPr>
+            <a:lvl6pPr marL="2286000" indent="0">
+              <a:buNone/>
+              <a:defRPr sz="2000"/>
+            </a:lvl6pPr>
+            <a:lvl7pPr marL="2743200" indent="0">
+              <a:buNone/>
+              <a:defRPr sz="2000"/>
+            </a:lvl7pPr>
+            <a:lvl8pPr marL="3200400" indent="0">
+              <a:buNone/>
+              <a:defRPr sz="2000"/>
+            </a:lvl8pPr>
+            <a:lvl9pPr marL="3657600" indent="0">
+              <a:buNone/>
+              <a:defRPr sz="2000"/>
+            </a:lvl9pPr>
+          </a:lstStyle>
+          <a:p>
+            <a:endParaRPr lang="fr-FR"/>
+          </a:p>
+        </p:txBody>
+      </p:sp>
+      <p:sp>
+        <p:nvSpPr>
+          <p:cNvPr id="4" name="Espace réservé du texte 3"/>
+          <p:cNvSpPr>
+            <a:spLocks noGrp="1"/>
+          </p:cNvSpPr>
+          <p:nvPr>
+            <p:ph type="body" sz="half" idx="2"/>
+          </p:nvPr>
+        </p:nvSpPr>
+        <p:spPr>
+          <a:xfrm>
+            <a:off x="839788" y="2057400"/>
+            <a:ext cx="3932237" cy="3811588"/>
+          </a:xfrm>
+        </p:spPr>
+        <p:txBody>
+          <a:bodyPr/>
+          <a:lstStyle>
+            <a:lvl1pPr marL="0" indent="0">
+              <a:buNone/>
+              <a:defRPr sz="1600"/>
+            </a:lvl1pPr>
+            <a:lvl2pPr marL="457200" indent="0">
+              <a:buNone/>
+              <a:defRPr sz="1400"/>
+            </a:lvl2pPr>
+            <a:lvl3pPr marL="914400" indent="0">
+              <a:buNone/>
+              <a:defRPr sz="1200"/>
+            </a:lvl3pPr>
+            <a:lvl4pPr marL="1371600" indent="0">
+              <a:buNone/>
+              <a:defRPr sz="1000"/>
+            </a:lvl4pPr>
+            <a:lvl5pPr marL="1828800" indent="0">
+              <a:buNone/>
+              <a:defRPr sz="1000"/>
+            </a:lvl5pPr>
+            <a:lvl6pPr marL="2286000" indent="0">
+              <a:buNone/>
+              <a:defRPr sz="1000"/>
+            </a:lvl6pPr>
+            <a:lvl7pPr marL="2743200" indent="0">
+              <a:buNone/>
+              <a:defRPr sz="1000"/>
+            </a:lvl7pPr>
+            <a:lvl8pPr marL="3200400" indent="0">
+              <a:buNone/>
+              <a:defRPr sz="1000"/>
+            </a:lvl8pPr>
+            <a:lvl9pPr marL="3657600" indent="0">
+              <a:buNone/>
+              <a:defRPr sz="1000"/>
+            </a:lvl9pPr>
+          </a:lstStyle>
+          <a:p>
+            <a:pPr lvl="0"/>
+            <a:r>
+              <a:rPr lang="fr-FR"/>
+              <a:t>Modifier les styles du texte du masque</a:t>
+            </a:r>
+          </a:p>
+        </p:txBody>
+      </p:sp>
+      <p:sp>
+        <p:nvSpPr>
+          <p:cNvPr id="5" name="Espace réservé de la date 4"/>
+          <p:cNvSpPr>
+            <a:spLocks noGrp="1"/>
+          </p:cNvSpPr>
+          <p:nvPr>
+            <p:ph type="dt" sz="half" idx="10"/>
+          </p:nvPr>
+        </p:nvSpPr>
+        <p:spPr/>
+        <p:txBody>
+          <a:bodyPr/>
+          <a:lstStyle/>
+          <a:p>
+            <a:fld id="{68819CA4-E7A2-4638-A266-A5CFC145217E}" type="datetimeFigureOut">
+              <a:rPr lang="fr-FR" smtClean="0"/>
+              <a:t>01/05/2017</a:t>
+            </a:fld>
+            <a:endParaRPr lang="fr-FR"/>
+          </a:p>
+        </p:txBody>
+      </p:sp>
+      <p:sp>
+        <p:nvSpPr>
+          <p:cNvPr id="6" name="Espace réservé du pied de page 5"/>
+          <p:cNvSpPr>
+            <a:spLocks noGrp="1"/>
+          </p:cNvSpPr>
+          <p:nvPr>
+            <p:ph type="ftr" sz="quarter" idx="11"/>
+          </p:nvPr>
+        </p:nvSpPr>
+        <p:spPr>
+          <a:xfrm>
+            <a:off x="4038600" y="6356350"/>
+            <a:ext cx="4114800" cy="365125"/>
+          </a:xfrm>
+          <a:prstGeom prst="rect">
+            <a:avLst/>
+          </a:prstGeom>
+        </p:spPr>
+        <p:txBody>
+          <a:bodyPr/>
+          <a:lstStyle/>
+          <a:p>
+            <a:endParaRPr lang="fr-FR"/>
+          </a:p>
+        </p:txBody>
+      </p:sp>
+      <p:sp>
+        <p:nvSpPr>
+          <p:cNvPr id="7" name="Espace réservé du numéro de diapositive 6"/>
+          <p:cNvSpPr>
+            <a:spLocks noGrp="1"/>
+          </p:cNvSpPr>
+          <p:nvPr>
+            <p:ph type="sldNum" sz="quarter" idx="12"/>
+          </p:nvPr>
+        </p:nvSpPr>
+        <p:spPr/>
+        <p:txBody>
+          <a:bodyPr/>
+          <a:lstStyle/>
+          <a:p>
+            <a:fld id="{9CD36147-3E0D-48B3-97AB-EA0EB5E5676E}" type="slidenum">
+              <a:rPr lang="fr-FR" smtClean="0"/>
+              <a:t>‹N°›</a:t>
+            </a:fld>
+            <a:endParaRPr lang="fr-FR"/>
+          </a:p>
+        </p:txBody>
+      </p:sp>
+    </p:spTree>
+    <p:extLst>
+      <p:ext uri="{BB962C8B-B14F-4D97-AF65-F5344CB8AC3E}">
         <p14:creationId xmlns:p14="http://schemas.microsoft.com/office/powerpoint/2010/main" val="929737290"/>
+      </p:ext>
+    </p:extLst>
+  </p:cSld>
+  <p:clrMapOvr>
+    <a:masterClrMapping/>
+  </p:clrMapOvr>
+</p:sldLayout>
+</file>
+
+<file path=ppt/slideLayouts/slideLayout8.xml><?xml version="1.0" encoding="utf-8"?>
+<p:sldLayout xmlns:a="http://schemas.openxmlformats.org/drawingml/2006/main" xmlns:r="http://schemas.openxmlformats.org/officeDocument/2006/relationships" xmlns:p="http://schemas.openxmlformats.org/presentationml/2006/main" type="vertTx" preserve="1">
+  <p:cSld name="Titre et texte vertical">
+    <p:spTree>
+      <p:nvGrpSpPr>
+        <p:cNvPr id="1" name=""/>
+        <p:cNvGrpSpPr/>
+        <p:nvPr/>
+      </p:nvGrpSpPr>
+      <p:grpSpPr>
+        <a:xfrm>
+          <a:off x="0" y="0"/>
+          <a:ext cx="0" cy="0"/>
+          <a:chOff x="0" y="0"/>
+          <a:chExt cx="0" cy="0"/>
+        </a:xfrm>
+      </p:grpSpPr>
+      <p:sp>
+        <p:nvSpPr>
+          <p:cNvPr id="2" name="Titre 1"/>
+          <p:cNvSpPr>
+            <a:spLocks noGrp="1"/>
+          </p:cNvSpPr>
+          <p:nvPr>
+            <p:ph type="title"/>
+          </p:nvPr>
+        </p:nvSpPr>
+        <p:spPr/>
+        <p:txBody>
+          <a:bodyPr/>
+          <a:lstStyle/>
+          <a:p>
+            <a:r>
+              <a:rPr lang="fr-FR"/>
+              <a:t>Modifiez le style du titre</a:t>
+            </a:r>
+          </a:p>
+        </p:txBody>
+      </p:sp>
+      <p:sp>
+        <p:nvSpPr>
+          <p:cNvPr id="3" name="Espace réservé du texte vertical 2"/>
+          <p:cNvSpPr>
+            <a:spLocks noGrp="1"/>
+          </p:cNvSpPr>
+          <p:nvPr>
+            <p:ph type="body" orient="vert" idx="1"/>
+          </p:nvPr>
+        </p:nvSpPr>
+        <p:spPr/>
+        <p:txBody>
+          <a:bodyPr vert="eaVert"/>
+          <a:lstStyle/>
+          <a:p>
+            <a:pPr lvl="0"/>
+            <a:r>
+              <a:rPr lang="fr-FR"/>
+              <a:t>Modifier les styles du texte du masque</a:t>
+            </a:r>
+          </a:p>
+          <a:p>
+            <a:pPr lvl="1"/>
+            <a:r>
+              <a:rPr lang="fr-FR"/>
+              <a:t>Deuxième niveau</a:t>
+            </a:r>
+          </a:p>
+          <a:p>
+            <a:pPr lvl="2"/>
+            <a:r>
+              <a:rPr lang="fr-FR"/>
+              <a:t>Troisième niveau</a:t>
+            </a:r>
+          </a:p>
+          <a:p>
+            <a:pPr lvl="3"/>
+            <a:r>
+              <a:rPr lang="fr-FR"/>
+              <a:t>Quatrième niveau</a:t>
+            </a:r>
+          </a:p>
+          <a:p>
+            <a:pPr lvl="4"/>
+            <a:r>
+              <a:rPr lang="fr-FR"/>
+              <a:t>Cinquième niveau</a:t>
+            </a:r>
+          </a:p>
+        </p:txBody>
+      </p:sp>
+      <p:sp>
+        <p:nvSpPr>
+          <p:cNvPr id="4" name="Espace réservé de la date 3"/>
+          <p:cNvSpPr>
+            <a:spLocks noGrp="1"/>
+          </p:cNvSpPr>
+          <p:nvPr>
+            <p:ph type="dt" sz="half" idx="10"/>
+          </p:nvPr>
+        </p:nvSpPr>
+        <p:spPr/>
+        <p:txBody>
+          <a:bodyPr/>
+          <a:lstStyle/>
+          <a:p>
+            <a:fld id="{68819CA4-E7A2-4638-A266-A5CFC145217E}" type="datetimeFigureOut">
+              <a:rPr lang="fr-FR" smtClean="0"/>
+              <a:t>01/05/2017</a:t>
+            </a:fld>
+            <a:endParaRPr lang="fr-FR"/>
+          </a:p>
+        </p:txBody>
+      </p:sp>
+      <p:sp>
+        <p:nvSpPr>
+          <p:cNvPr id="5" name="Espace réservé du pied de page 4"/>
+          <p:cNvSpPr>
+            <a:spLocks noGrp="1"/>
+          </p:cNvSpPr>
+          <p:nvPr>
+            <p:ph type="ftr" sz="quarter" idx="11"/>
+          </p:nvPr>
+        </p:nvSpPr>
+        <p:spPr>
+          <a:xfrm>
+            <a:off x="4038600" y="6356350"/>
+            <a:ext cx="4114800" cy="365125"/>
+          </a:xfrm>
+          <a:prstGeom prst="rect">
+            <a:avLst/>
+          </a:prstGeom>
+        </p:spPr>
+        <p:txBody>
+          <a:bodyPr/>
+          <a:lstStyle/>
+          <a:p>
+            <a:endParaRPr lang="fr-FR"/>
+          </a:p>
+        </p:txBody>
+      </p:sp>
+      <p:sp>
+        <p:nvSpPr>
+          <p:cNvPr id="6" name="Espace réservé du numéro de diapositive 5"/>
+          <p:cNvSpPr>
+            <a:spLocks noGrp="1"/>
+          </p:cNvSpPr>
+          <p:nvPr>
+            <p:ph type="sldNum" sz="quarter" idx="12"/>
+          </p:nvPr>
+        </p:nvSpPr>
+        <p:spPr/>
+        <p:txBody>
+          <a:bodyPr/>
+          <a:lstStyle/>
+          <a:p>
+            <a:fld id="{9CD36147-3E0D-48B3-97AB-EA0EB5E5676E}" type="slidenum">
+              <a:rPr lang="fr-FR" smtClean="0"/>
+              <a:t>‹N°›</a:t>
+            </a:fld>
+            <a:endParaRPr lang="fr-FR"/>
+          </a:p>
+        </p:txBody>
+      </p:sp>
+    </p:spTree>
+    <p:extLst>
+      <p:ext uri="{BB962C8B-B14F-4D97-AF65-F5344CB8AC3E}">
+        <p14:creationId xmlns:p14="http://schemas.microsoft.com/office/powerpoint/2010/main" val="4006553397"/>
+      </p:ext>
+    </p:extLst>
+  </p:cSld>
+  <p:clrMapOvr>
+    <a:masterClrMapping/>
+  </p:clrMapOvr>
+</p:sldLayout>
+</file>
+
+<file path=ppt/slideLayouts/slideLayout9.xml><?xml version="1.0" encoding="utf-8"?>
+<p:sldLayout xmlns:a="http://schemas.openxmlformats.org/drawingml/2006/main" xmlns:r="http://schemas.openxmlformats.org/officeDocument/2006/relationships" xmlns:p="http://schemas.openxmlformats.org/presentationml/2006/main" type="vertTitleAndTx" preserve="1">
+  <p:cSld name="Titre vertical et texte">
+    <p:spTree>
+      <p:nvGrpSpPr>
+        <p:cNvPr id="1" name=""/>
+        <p:cNvGrpSpPr/>
+        <p:nvPr/>
+      </p:nvGrpSpPr>
+      <p:grpSpPr>
+        <a:xfrm>
+          <a:off x="0" y="0"/>
+          <a:ext cx="0" cy="0"/>
+          <a:chOff x="0" y="0"/>
+          <a:chExt cx="0" cy="0"/>
+        </a:xfrm>
+      </p:grpSpPr>
+      <p:sp>
+        <p:nvSpPr>
+          <p:cNvPr id="2" name="Titre vertical 1"/>
+          <p:cNvSpPr>
+            <a:spLocks noGrp="1"/>
+          </p:cNvSpPr>
+          <p:nvPr>
+            <p:ph type="title" orient="vert"/>
+          </p:nvPr>
+        </p:nvSpPr>
+        <p:spPr>
+          <a:xfrm>
+            <a:off x="8724900" y="365125"/>
+            <a:ext cx="2628900" cy="5811838"/>
+          </a:xfrm>
+        </p:spPr>
+        <p:txBody>
+          <a:bodyPr vert="eaVert"/>
+          <a:lstStyle/>
+          <a:p>
+            <a:r>
+              <a:rPr lang="fr-FR"/>
+              <a:t>Modifiez le style du titre</a:t>
+            </a:r>
+          </a:p>
+        </p:txBody>
+      </p:sp>
+      <p:sp>
+        <p:nvSpPr>
+          <p:cNvPr id="3" name="Espace réservé du texte vertical 2"/>
+          <p:cNvSpPr>
+            <a:spLocks noGrp="1"/>
+          </p:cNvSpPr>
+          <p:nvPr>
+            <p:ph type="body" orient="vert" idx="1"/>
+          </p:nvPr>
+        </p:nvSpPr>
+        <p:spPr>
+          <a:xfrm>
+            <a:off x="838200" y="365125"/>
+            <a:ext cx="7734300" cy="5811838"/>
+          </a:xfrm>
+        </p:spPr>
+        <p:txBody>
+          <a:bodyPr vert="eaVert"/>
+          <a:lstStyle/>
+          <a:p>
+            <a:pPr lvl="0"/>
+            <a:r>
+              <a:rPr lang="fr-FR"/>
+              <a:t>Modifier les styles du texte du masque</a:t>
+            </a:r>
+          </a:p>
+          <a:p>
+            <a:pPr lvl="1"/>
+            <a:r>
+              <a:rPr lang="fr-FR"/>
+              <a:t>Deuxième niveau</a:t>
+            </a:r>
+          </a:p>
+          <a:p>
+            <a:pPr lvl="2"/>
+            <a:r>
+              <a:rPr lang="fr-FR"/>
+              <a:t>Troisième niveau</a:t>
+            </a:r>
+          </a:p>
+          <a:p>
+            <a:pPr lvl="3"/>
+            <a:r>
+              <a:rPr lang="fr-FR"/>
+              <a:t>Quatrième niveau</a:t>
+            </a:r>
+          </a:p>
+          <a:p>
+            <a:pPr lvl="4"/>
+            <a:r>
+              <a:rPr lang="fr-FR"/>
+              <a:t>Cinquième niveau</a:t>
+            </a:r>
+          </a:p>
+        </p:txBody>
+      </p:sp>
+      <p:sp>
+        <p:nvSpPr>
+          <p:cNvPr id="4" name="Espace réservé de la date 3"/>
+          <p:cNvSpPr>
+            <a:spLocks noGrp="1"/>
+          </p:cNvSpPr>
+          <p:nvPr>
+            <p:ph type="dt" sz="half" idx="10"/>
+          </p:nvPr>
+        </p:nvSpPr>
+        <p:spPr/>
+        <p:txBody>
+          <a:bodyPr/>
+          <a:lstStyle/>
+          <a:p>
+            <a:fld id="{68819CA4-E7A2-4638-A266-A5CFC145217E}" type="datetimeFigureOut">
+              <a:rPr lang="fr-FR" smtClean="0"/>
+              <a:t>01/05/2017</a:t>
+            </a:fld>
+            <a:endParaRPr lang="fr-FR"/>
+          </a:p>
+        </p:txBody>
+      </p:sp>
+      <p:sp>
+        <p:nvSpPr>
+          <p:cNvPr id="5" name="Espace réservé du pied de page 4"/>
+          <p:cNvSpPr>
+            <a:spLocks noGrp="1"/>
+          </p:cNvSpPr>
+          <p:nvPr>
+            <p:ph type="ftr" sz="quarter" idx="11"/>
+          </p:nvPr>
+        </p:nvSpPr>
+        <p:spPr>
+          <a:xfrm>
+            <a:off x="4038600" y="6356350"/>
+            <a:ext cx="4114800" cy="365125"/>
+          </a:xfrm>
+          <a:prstGeom prst="rect">
+            <a:avLst/>
+          </a:prstGeom>
+        </p:spPr>
+        <p:txBody>
+          <a:bodyPr/>
+          <a:lstStyle/>
+          <a:p>
+            <a:endParaRPr lang="fr-FR"/>
+          </a:p>
+        </p:txBody>
+      </p:sp>
+      <p:sp>
+        <p:nvSpPr>
+          <p:cNvPr id="6" name="Espace réservé du numéro de diapositive 5"/>
+          <p:cNvSpPr>
+            <a:spLocks noGrp="1"/>
+          </p:cNvSpPr>
+          <p:nvPr>
+            <p:ph type="sldNum" sz="quarter" idx="12"/>
+          </p:nvPr>
+        </p:nvSpPr>
+        <p:spPr/>
+        <p:txBody>
+          <a:bodyPr/>
+          <a:lstStyle/>
+          <a:p>
+            <a:fld id="{9CD36147-3E0D-48B3-97AB-EA0EB5E5676E}" type="slidenum">
+              <a:rPr lang="fr-FR" smtClean="0"/>
+              <a:t>‹N°›</a:t>
+            </a:fld>
+            <a:endParaRPr lang="fr-FR"/>
+          </a:p>
+        </p:txBody>
+      </p:sp>
+    </p:spTree>
+    <p:extLst>
+      <p:ext uri="{BB962C8B-B14F-4D97-AF65-F5344CB8AC3E}">
+        <p14:creationId xmlns:p14="http://schemas.microsoft.com/office/powerpoint/2010/main" val="4251734646"/>
       </p:ext>
     </p:extLst>
   </p:cSld>
@@ -2731,18 +5068,590 @@
   </p:cSld>
   <p:clrMap bg1="lt1" tx1="dk1" bg2="lt2" tx2="dk2" accent1="accent1" accent2="accent2" accent3="accent3" accent4="accent4" accent5="accent5" accent6="accent6" hlink="hlink" folHlink="folHlink"/>
   <p:sldLayoutIdLst>
-    <p:sldLayoutId id="2147483818" r:id="rId1"/>
-    <p:sldLayoutId id="2147483819" r:id="rId2"/>
-    <p:sldLayoutId id="2147483820" r:id="rId3"/>
-    <p:sldLayoutId id="2147483821" r:id="rId4"/>
-    <p:sldLayoutId id="2147483822" r:id="rId5"/>
-    <p:sldLayoutId id="2147483823" r:id="rId6"/>
-    <p:sldLayoutId id="2147483824" r:id="rId7"/>
-    <p:sldLayoutId id="2147483825" r:id="rId8"/>
-    <p:sldLayoutId id="2147483826" r:id="rId9"/>
-    <p:sldLayoutId id="2147483827" r:id="rId10"/>
-    <p:sldLayoutId id="2147483828" r:id="rId11"/>
+    <p:sldLayoutId id="2147483820" r:id="rId1"/>
+    <p:sldLayoutId id="2147483821" r:id="rId2"/>
+    <p:sldLayoutId id="2147483822" r:id="rId3"/>
+    <p:sldLayoutId id="2147483823" r:id="rId4"/>
+    <p:sldLayoutId id="2147483824" r:id="rId5"/>
+    <p:sldLayoutId id="2147483825" r:id="rId6"/>
+    <p:sldLayoutId id="2147483826" r:id="rId7"/>
+    <p:sldLayoutId id="2147483827" r:id="rId8"/>
+    <p:sldLayoutId id="2147483828" r:id="rId9"/>
   </p:sldLayoutIdLst>
+  <p:txStyles>
+    <p:titleStyle>
+      <a:lvl1pPr algn="l" defTabSz="914400" rtl="0" eaLnBrk="1" latinLnBrk="0" hangingPunct="1">
+        <a:lnSpc>
+          <a:spcPct val="90000"/>
+        </a:lnSpc>
+        <a:spcBef>
+          <a:spcPct val="0"/>
+        </a:spcBef>
+        <a:buNone/>
+        <a:defRPr sz="4400" kern="1200">
+          <a:ln w="9525" cmpd="thickThin">
+            <a:solidFill>
+              <a:schemeClr val="accent1"/>
+            </a:solidFill>
+            <a:prstDash val="solid"/>
+          </a:ln>
+          <a:solidFill>
+            <a:schemeClr val="bg1">
+              <a:lumMod val="95000"/>
+            </a:schemeClr>
+          </a:solidFill>
+          <a:latin typeface="+mj-lt"/>
+          <a:ea typeface="+mj-ea"/>
+          <a:cs typeface="+mj-cs"/>
+        </a:defRPr>
+      </a:lvl1pPr>
+    </p:titleStyle>
+    <p:bodyStyle>
+      <a:lvl1pPr marL="228600" indent="-228600" algn="l" defTabSz="914400" rtl="0" eaLnBrk="1" latinLnBrk="0" hangingPunct="1">
+        <a:lnSpc>
+          <a:spcPct val="90000"/>
+        </a:lnSpc>
+        <a:spcBef>
+          <a:spcPts val="1000"/>
+        </a:spcBef>
+        <a:buFont typeface="Arial" panose="020B0604020202020204" pitchFamily="34" charset="0"/>
+        <a:buChar char="•"/>
+        <a:defRPr sz="2800" kern="1200">
+          <a:ln>
+            <a:solidFill>
+              <a:schemeClr val="accent1"/>
+            </a:solidFill>
+          </a:ln>
+          <a:solidFill>
+            <a:schemeClr val="bg1">
+              <a:lumMod val="95000"/>
+            </a:schemeClr>
+          </a:solidFill>
+          <a:latin typeface="+mn-lt"/>
+          <a:ea typeface="+mn-ea"/>
+          <a:cs typeface="+mn-cs"/>
+        </a:defRPr>
+      </a:lvl1pPr>
+      <a:lvl2pPr marL="685800" indent="-228600" algn="l" defTabSz="914400" rtl="0" eaLnBrk="1" latinLnBrk="0" hangingPunct="1">
+        <a:lnSpc>
+          <a:spcPct val="90000"/>
+        </a:lnSpc>
+        <a:spcBef>
+          <a:spcPts val="500"/>
+        </a:spcBef>
+        <a:buFont typeface="Arial" panose="020B0604020202020204" pitchFamily="34" charset="0"/>
+        <a:buChar char="•"/>
+        <a:defRPr sz="2400" kern="1200">
+          <a:ln>
+            <a:solidFill>
+              <a:schemeClr val="accent1"/>
+            </a:solidFill>
+          </a:ln>
+          <a:solidFill>
+            <a:schemeClr val="bg1">
+              <a:lumMod val="95000"/>
+            </a:schemeClr>
+          </a:solidFill>
+          <a:latin typeface="+mn-lt"/>
+          <a:ea typeface="+mn-ea"/>
+          <a:cs typeface="+mn-cs"/>
+        </a:defRPr>
+      </a:lvl2pPr>
+      <a:lvl3pPr marL="1143000" indent="-228600" algn="l" defTabSz="914400" rtl="0" eaLnBrk="1" latinLnBrk="0" hangingPunct="1">
+        <a:lnSpc>
+          <a:spcPct val="90000"/>
+        </a:lnSpc>
+        <a:spcBef>
+          <a:spcPts val="500"/>
+        </a:spcBef>
+        <a:buFont typeface="Arial" panose="020B0604020202020204" pitchFamily="34" charset="0"/>
+        <a:buChar char="•"/>
+        <a:defRPr sz="2000" kern="1200">
+          <a:ln>
+            <a:solidFill>
+              <a:schemeClr val="accent1"/>
+            </a:solidFill>
+          </a:ln>
+          <a:solidFill>
+            <a:schemeClr val="bg1">
+              <a:lumMod val="95000"/>
+            </a:schemeClr>
+          </a:solidFill>
+          <a:latin typeface="+mn-lt"/>
+          <a:ea typeface="+mn-ea"/>
+          <a:cs typeface="+mn-cs"/>
+        </a:defRPr>
+      </a:lvl3pPr>
+      <a:lvl4pPr marL="1600200" indent="-228600" algn="l" defTabSz="914400" rtl="0" eaLnBrk="1" latinLnBrk="0" hangingPunct="1">
+        <a:lnSpc>
+          <a:spcPct val="90000"/>
+        </a:lnSpc>
+        <a:spcBef>
+          <a:spcPts val="500"/>
+        </a:spcBef>
+        <a:buFont typeface="Arial" panose="020B0604020202020204" pitchFamily="34" charset="0"/>
+        <a:buChar char="•"/>
+        <a:defRPr sz="1800" kern="1200">
+          <a:ln>
+            <a:solidFill>
+              <a:schemeClr val="accent1"/>
+            </a:solidFill>
+          </a:ln>
+          <a:solidFill>
+            <a:schemeClr val="bg1">
+              <a:lumMod val="95000"/>
+            </a:schemeClr>
+          </a:solidFill>
+          <a:latin typeface="+mn-lt"/>
+          <a:ea typeface="+mn-ea"/>
+          <a:cs typeface="+mn-cs"/>
+        </a:defRPr>
+      </a:lvl4pPr>
+      <a:lvl5pPr marL="2057400" indent="-228600" algn="l" defTabSz="914400" rtl="0" eaLnBrk="1" latinLnBrk="0" hangingPunct="1">
+        <a:lnSpc>
+          <a:spcPct val="90000"/>
+        </a:lnSpc>
+        <a:spcBef>
+          <a:spcPts val="500"/>
+        </a:spcBef>
+        <a:buFont typeface="Arial" panose="020B0604020202020204" pitchFamily="34" charset="0"/>
+        <a:buChar char="•"/>
+        <a:defRPr sz="1800" kern="1200">
+          <a:ln>
+            <a:solidFill>
+              <a:schemeClr val="accent1"/>
+            </a:solidFill>
+          </a:ln>
+          <a:solidFill>
+            <a:schemeClr val="bg1">
+              <a:lumMod val="95000"/>
+            </a:schemeClr>
+          </a:solidFill>
+          <a:latin typeface="+mn-lt"/>
+          <a:ea typeface="+mn-ea"/>
+          <a:cs typeface="+mn-cs"/>
+        </a:defRPr>
+      </a:lvl5pPr>
+      <a:lvl6pPr marL="2514600" indent="-228600" algn="l" defTabSz="914400" rtl="0" eaLnBrk="1" latinLnBrk="0" hangingPunct="1">
+        <a:lnSpc>
+          <a:spcPct val="90000"/>
+        </a:lnSpc>
+        <a:spcBef>
+          <a:spcPts val="500"/>
+        </a:spcBef>
+        <a:buFont typeface="Arial" panose="020B0604020202020204" pitchFamily="34" charset="0"/>
+        <a:buChar char="•"/>
+        <a:defRPr sz="1800" kern="1200">
+          <a:solidFill>
+            <a:schemeClr val="tx1"/>
+          </a:solidFill>
+          <a:latin typeface="+mn-lt"/>
+          <a:ea typeface="+mn-ea"/>
+          <a:cs typeface="+mn-cs"/>
+        </a:defRPr>
+      </a:lvl6pPr>
+      <a:lvl7pPr marL="2971800" indent="-228600" algn="l" defTabSz="914400" rtl="0" eaLnBrk="1" latinLnBrk="0" hangingPunct="1">
+        <a:lnSpc>
+          <a:spcPct val="90000"/>
+        </a:lnSpc>
+        <a:spcBef>
+          <a:spcPts val="500"/>
+        </a:spcBef>
+        <a:buFont typeface="Arial" panose="020B0604020202020204" pitchFamily="34" charset="0"/>
+        <a:buChar char="•"/>
+        <a:defRPr sz="1800" kern="1200">
+          <a:solidFill>
+            <a:schemeClr val="tx1"/>
+          </a:solidFill>
+          <a:latin typeface="+mn-lt"/>
+          <a:ea typeface="+mn-ea"/>
+          <a:cs typeface="+mn-cs"/>
+        </a:defRPr>
+      </a:lvl7pPr>
+      <a:lvl8pPr marL="3429000" indent="-228600" algn="l" defTabSz="914400" rtl="0" eaLnBrk="1" latinLnBrk="0" hangingPunct="1">
+        <a:lnSpc>
+          <a:spcPct val="90000"/>
+        </a:lnSpc>
+        <a:spcBef>
+          <a:spcPts val="500"/>
+        </a:spcBef>
+        <a:buFont typeface="Arial" panose="020B0604020202020204" pitchFamily="34" charset="0"/>
+        <a:buChar char="•"/>
+        <a:defRPr sz="1800" kern="1200">
+          <a:solidFill>
+            <a:schemeClr val="tx1"/>
+          </a:solidFill>
+          <a:latin typeface="+mn-lt"/>
+          <a:ea typeface="+mn-ea"/>
+          <a:cs typeface="+mn-cs"/>
+        </a:defRPr>
+      </a:lvl8pPr>
+      <a:lvl9pPr marL="3886200" indent="-228600" algn="l" defTabSz="914400" rtl="0" eaLnBrk="1" latinLnBrk="0" hangingPunct="1">
+        <a:lnSpc>
+          <a:spcPct val="90000"/>
+        </a:lnSpc>
+        <a:spcBef>
+          <a:spcPts val="500"/>
+        </a:spcBef>
+        <a:buFont typeface="Arial" panose="020B0604020202020204" pitchFamily="34" charset="0"/>
+        <a:buChar char="•"/>
+        <a:defRPr sz="1800" kern="1200">
+          <a:solidFill>
+            <a:schemeClr val="tx1"/>
+          </a:solidFill>
+          <a:latin typeface="+mn-lt"/>
+          <a:ea typeface="+mn-ea"/>
+          <a:cs typeface="+mn-cs"/>
+        </a:defRPr>
+      </a:lvl9pPr>
+    </p:bodyStyle>
+    <p:otherStyle>
+      <a:defPPr>
+        <a:defRPr lang="fr-FR"/>
+      </a:defPPr>
+      <a:lvl1pPr marL="0" algn="l" defTabSz="914400" rtl="0" eaLnBrk="1" latinLnBrk="0" hangingPunct="1">
+        <a:defRPr sz="1800" kern="1200">
+          <a:solidFill>
+            <a:schemeClr val="tx1"/>
+          </a:solidFill>
+          <a:latin typeface="+mn-lt"/>
+          <a:ea typeface="+mn-ea"/>
+          <a:cs typeface="+mn-cs"/>
+        </a:defRPr>
+      </a:lvl1pPr>
+      <a:lvl2pPr marL="457200" algn="l" defTabSz="914400" rtl="0" eaLnBrk="1" latinLnBrk="0" hangingPunct="1">
+        <a:defRPr sz="1800" kern="1200">
+          <a:solidFill>
+            <a:schemeClr val="tx1"/>
+          </a:solidFill>
+          <a:latin typeface="+mn-lt"/>
+          <a:ea typeface="+mn-ea"/>
+          <a:cs typeface="+mn-cs"/>
+        </a:defRPr>
+      </a:lvl2pPr>
+      <a:lvl3pPr marL="914400" algn="l" defTabSz="914400" rtl="0" eaLnBrk="1" latinLnBrk="0" hangingPunct="1">
+        <a:defRPr sz="1800" kern="1200">
+          <a:solidFill>
+            <a:schemeClr val="tx1"/>
+          </a:solidFill>
+          <a:latin typeface="+mn-lt"/>
+          <a:ea typeface="+mn-ea"/>
+          <a:cs typeface="+mn-cs"/>
+        </a:defRPr>
+      </a:lvl3pPr>
+      <a:lvl4pPr marL="1371600" algn="l" defTabSz="914400" rtl="0" eaLnBrk="1" latinLnBrk="0" hangingPunct="1">
+        <a:defRPr sz="1800" kern="1200">
+          <a:solidFill>
+            <a:schemeClr val="tx1"/>
+          </a:solidFill>
+          <a:latin typeface="+mn-lt"/>
+          <a:ea typeface="+mn-ea"/>
+          <a:cs typeface="+mn-cs"/>
+        </a:defRPr>
+      </a:lvl4pPr>
+      <a:lvl5pPr marL="1828800" algn="l" defTabSz="914400" rtl="0" eaLnBrk="1" latinLnBrk="0" hangingPunct="1">
+        <a:defRPr sz="1800" kern="1200">
+          <a:solidFill>
+            <a:schemeClr val="tx1"/>
+          </a:solidFill>
+          <a:latin typeface="+mn-lt"/>
+          <a:ea typeface="+mn-ea"/>
+          <a:cs typeface="+mn-cs"/>
+        </a:defRPr>
+      </a:lvl5pPr>
+      <a:lvl6pPr marL="2286000" algn="l" defTabSz="914400" rtl="0" eaLnBrk="1" latinLnBrk="0" hangingPunct="1">
+        <a:defRPr sz="1800" kern="1200">
+          <a:solidFill>
+            <a:schemeClr val="tx1"/>
+          </a:solidFill>
+          <a:latin typeface="+mn-lt"/>
+          <a:ea typeface="+mn-ea"/>
+          <a:cs typeface="+mn-cs"/>
+        </a:defRPr>
+      </a:lvl6pPr>
+      <a:lvl7pPr marL="2743200" algn="l" defTabSz="914400" rtl="0" eaLnBrk="1" latinLnBrk="0" hangingPunct="1">
+        <a:defRPr sz="1800" kern="1200">
+          <a:solidFill>
+            <a:schemeClr val="tx1"/>
+          </a:solidFill>
+          <a:latin typeface="+mn-lt"/>
+          <a:ea typeface="+mn-ea"/>
+          <a:cs typeface="+mn-cs"/>
+        </a:defRPr>
+      </a:lvl7pPr>
+      <a:lvl8pPr marL="3200400" algn="l" defTabSz="914400" rtl="0" eaLnBrk="1" latinLnBrk="0" hangingPunct="1">
+        <a:defRPr sz="1800" kern="1200">
+          <a:solidFill>
+            <a:schemeClr val="tx1"/>
+          </a:solidFill>
+          <a:latin typeface="+mn-lt"/>
+          <a:ea typeface="+mn-ea"/>
+          <a:cs typeface="+mn-cs"/>
+        </a:defRPr>
+      </a:lvl8pPr>
+      <a:lvl9pPr marL="3657600" algn="l" defTabSz="914400" rtl="0" eaLnBrk="1" latinLnBrk="0" hangingPunct="1">
+        <a:defRPr sz="1800" kern="1200">
+          <a:solidFill>
+            <a:schemeClr val="tx1"/>
+          </a:solidFill>
+          <a:latin typeface="+mn-lt"/>
+          <a:ea typeface="+mn-ea"/>
+          <a:cs typeface="+mn-cs"/>
+        </a:defRPr>
+      </a:lvl9pPr>
+    </p:otherStyle>
+  </p:txStyles>
+</p:sldMaster>
+</file>
+
+<file path=ppt/slideMasters/slideMaster2.xml><?xml version="1.0" encoding="utf-8"?>
+<p:sldMaster xmlns:a="http://schemas.openxmlformats.org/drawingml/2006/main" xmlns:r="http://schemas.openxmlformats.org/officeDocument/2006/relationships" xmlns:p="http://schemas.openxmlformats.org/presentationml/2006/main" preserve="1">
+  <p:cSld>
+    <p:bg>
+      <p:bgPr>
+        <a:gradFill flip="none" rotWithShape="1">
+          <a:gsLst>
+            <a:gs pos="23000">
+              <a:srgbClr val="484848">
+                <a:lumMod val="94000"/>
+              </a:srgbClr>
+            </a:gs>
+            <a:gs pos="0">
+              <a:schemeClr val="accent6">
+                <a:lumMod val="67000"/>
+              </a:schemeClr>
+            </a:gs>
+            <a:gs pos="69000">
+              <a:schemeClr val="accent6">
+                <a:lumMod val="99000"/>
+                <a:lumOff val="1000"/>
+              </a:schemeClr>
+            </a:gs>
+            <a:gs pos="97000">
+              <a:schemeClr val="tx2">
+                <a:lumMod val="76000"/>
+                <a:lumOff val="24000"/>
+              </a:schemeClr>
+            </a:gs>
+          </a:gsLst>
+          <a:path path="circle">
+            <a:fillToRect l="100000" t="100000"/>
+          </a:path>
+          <a:tileRect r="-100000" b="-100000"/>
+        </a:gradFill>
+        <a:effectLst/>
+      </p:bgPr>
+    </p:bg>
+    <p:spTree>
+      <p:nvGrpSpPr>
+        <p:cNvPr id="1" name=""/>
+        <p:cNvGrpSpPr/>
+        <p:nvPr/>
+      </p:nvGrpSpPr>
+      <p:grpSpPr>
+        <a:xfrm>
+          <a:off x="0" y="0"/>
+          <a:ext cx="0" cy="0"/>
+          <a:chOff x="0" y="0"/>
+          <a:chExt cx="0" cy="0"/>
+        </a:xfrm>
+      </p:grpSpPr>
+      <p:sp>
+        <p:nvSpPr>
+          <p:cNvPr id="2" name="Espace réservé du titre 1"/>
+          <p:cNvSpPr>
+            <a:spLocks noGrp="1"/>
+          </p:cNvSpPr>
+          <p:nvPr>
+            <p:ph type="title"/>
+          </p:nvPr>
+        </p:nvSpPr>
+        <p:spPr>
+          <a:xfrm>
+            <a:off x="838200" y="365125"/>
+            <a:ext cx="10515600" cy="1325563"/>
+          </a:xfrm>
+          <a:prstGeom prst="rect">
+            <a:avLst/>
+          </a:prstGeom>
+        </p:spPr>
+        <p:txBody>
+          <a:bodyPr vert="horz" lIns="91440" tIns="45720" rIns="91440" bIns="45720" rtlCol="0" anchor="ctr">
+            <a:normAutofit/>
+          </a:bodyPr>
+          <a:lstStyle/>
+          <a:p>
+            <a:r>
+              <a:rPr lang="fr-FR" dirty="0"/>
+              <a:t>Modifiez le style du titre</a:t>
+            </a:r>
+          </a:p>
+        </p:txBody>
+      </p:sp>
+      <p:sp>
+        <p:nvSpPr>
+          <p:cNvPr id="3" name="Espace réservé du texte 2"/>
+          <p:cNvSpPr>
+            <a:spLocks noGrp="1"/>
+          </p:cNvSpPr>
+          <p:nvPr>
+            <p:ph type="body" idx="1"/>
+          </p:nvPr>
+        </p:nvSpPr>
+        <p:spPr>
+          <a:xfrm>
+            <a:off x="838200" y="1825625"/>
+            <a:ext cx="10515600" cy="4351338"/>
+          </a:xfrm>
+          <a:prstGeom prst="rect">
+            <a:avLst/>
+          </a:prstGeom>
+        </p:spPr>
+        <p:txBody>
+          <a:bodyPr vert="horz" lIns="91440" tIns="45720" rIns="91440" bIns="45720" rtlCol="0">
+            <a:normAutofit/>
+          </a:bodyPr>
+          <a:lstStyle/>
+          <a:p>
+            <a:pPr lvl="0"/>
+            <a:r>
+              <a:rPr lang="fr-FR" dirty="0"/>
+              <a:t>Modifier les styles du texte du masque</a:t>
+            </a:r>
+          </a:p>
+          <a:p>
+            <a:pPr lvl="1"/>
+            <a:r>
+              <a:rPr lang="fr-FR" dirty="0"/>
+              <a:t>Deuxième niveau</a:t>
+            </a:r>
+          </a:p>
+          <a:p>
+            <a:pPr lvl="2"/>
+            <a:r>
+              <a:rPr lang="fr-FR" dirty="0"/>
+              <a:t>Troisième niveau</a:t>
+            </a:r>
+          </a:p>
+          <a:p>
+            <a:pPr lvl="3"/>
+            <a:r>
+              <a:rPr lang="fr-FR" dirty="0"/>
+              <a:t>Quatrième niveau</a:t>
+            </a:r>
+          </a:p>
+          <a:p>
+            <a:pPr lvl="4"/>
+            <a:r>
+              <a:rPr lang="fr-FR" dirty="0"/>
+              <a:t>Cinquième niveau</a:t>
+            </a:r>
+          </a:p>
+        </p:txBody>
+      </p:sp>
+      <p:sp>
+        <p:nvSpPr>
+          <p:cNvPr id="4" name="Espace réservé de la date 3"/>
+          <p:cNvSpPr>
+            <a:spLocks noGrp="1"/>
+          </p:cNvSpPr>
+          <p:nvPr>
+            <p:ph type="dt" sz="half" idx="2"/>
+          </p:nvPr>
+        </p:nvSpPr>
+        <p:spPr>
+          <a:xfrm>
+            <a:off x="838200" y="6356350"/>
+            <a:ext cx="2743200" cy="365125"/>
+          </a:xfrm>
+          <a:prstGeom prst="rect">
+            <a:avLst/>
+          </a:prstGeom>
+        </p:spPr>
+        <p:txBody>
+          <a:bodyPr vert="horz" lIns="91440" tIns="45720" rIns="91440" bIns="45720" rtlCol="0" anchor="ctr"/>
+          <a:lstStyle>
+            <a:lvl1pPr algn="l">
+              <a:defRPr sz="1200">
+                <a:solidFill>
+                  <a:schemeClr val="tx1">
+                    <a:tint val="75000"/>
+                  </a:schemeClr>
+                </a:solidFill>
+              </a:defRPr>
+            </a:lvl1pPr>
+          </a:lstStyle>
+          <a:p>
+            <a:r>
+              <a:rPr lang="fr-FR"/>
+              <a:t>02/05/2017</a:t>
+            </a:r>
+          </a:p>
+        </p:txBody>
+      </p:sp>
+      <p:sp>
+        <p:nvSpPr>
+          <p:cNvPr id="6" name="Espace réservé du numéro de diapositive 5"/>
+          <p:cNvSpPr>
+            <a:spLocks noGrp="1"/>
+          </p:cNvSpPr>
+          <p:nvPr>
+            <p:ph type="sldNum" sz="quarter" idx="4"/>
+          </p:nvPr>
+        </p:nvSpPr>
+        <p:spPr>
+          <a:xfrm>
+            <a:off x="8610600" y="6356350"/>
+            <a:ext cx="2743200" cy="365125"/>
+          </a:xfrm>
+          <a:prstGeom prst="rect">
+            <a:avLst/>
+          </a:prstGeom>
+        </p:spPr>
+        <p:txBody>
+          <a:bodyPr vert="horz" lIns="91440" tIns="45720" rIns="91440" bIns="45720" rtlCol="0" anchor="ctr"/>
+          <a:lstStyle>
+            <a:lvl1pPr algn="r">
+              <a:defRPr sz="1200">
+                <a:solidFill>
+                  <a:schemeClr val="tx1">
+                    <a:tint val="75000"/>
+                  </a:schemeClr>
+                </a:solidFill>
+              </a:defRPr>
+            </a:lvl1pPr>
+          </a:lstStyle>
+          <a:p>
+            <a:fld id="{9CD36147-3E0D-48B3-97AB-EA0EB5E5676E}" type="slidenum">
+              <a:rPr lang="fr-FR" smtClean="0"/>
+              <a:t>‹N°›</a:t>
+            </a:fld>
+            <a:endParaRPr lang="fr-FR"/>
+          </a:p>
+        </p:txBody>
+      </p:sp>
+    </p:spTree>
+    <p:extLst>
+      <p:ext uri="{BB962C8B-B14F-4D97-AF65-F5344CB8AC3E}">
+        <p14:creationId xmlns:p14="http://schemas.microsoft.com/office/powerpoint/2010/main" val="2391022172"/>
+      </p:ext>
+    </p:extLst>
+  </p:cSld>
+  <p:clrMap bg1="lt1" tx1="dk1" bg2="lt2" tx2="dk2" accent1="accent1" accent2="accent2" accent3="accent3" accent4="accent4" accent5="accent5" accent6="accent6" hlink="hlink" folHlink="folHlink"/>
+  <p:sldLayoutIdLst>
+    <p:sldLayoutId id="2147483843" r:id="rId1"/>
+    <p:sldLayoutId id="2147483844" r:id="rId2"/>
+    <p:sldLayoutId id="2147483832" r:id="rId3"/>
+    <p:sldLayoutId id="2147483833" r:id="rId4"/>
+    <p:sldLayoutId id="2147483834" r:id="rId5"/>
+    <p:sldLayoutId id="2147483835" r:id="rId6"/>
+    <p:sldLayoutId id="2147483836" r:id="rId7"/>
+    <p:sldLayoutId id="2147483837" r:id="rId8"/>
+    <p:sldLayoutId id="2147483838" r:id="rId9"/>
+    <p:sldLayoutId id="2147483839" r:id="rId10"/>
+    <p:sldLayoutId id="2147483840" r:id="rId11"/>
+  </p:sldLayoutIdLst>
+  <p:hf hdr="0" ftr="0"/>
   <p:txStyles>
     <p:titleStyle>
       <a:lvl1pPr algn="l" defTabSz="914400" rtl="0" eaLnBrk="1" latinLnBrk="0" hangingPunct="1">
@@ -3158,28 +6067,88 @@
       </p:sp>
       <p:pic>
         <p:nvPicPr>
-          <p:cNvPr id="8" name="Image 7"/>
+          <p:cNvPr id="1026" name="Picture 2" descr="https://cdn.discordapp.com/attachments/176990434344566784/308617254646317059/unknown.png"/>
           <p:cNvPicPr>
-            <a:picLocks noChangeAspect="1"/>
+            <a:picLocks noChangeAspect="1" noChangeArrowheads="1"/>
           </p:cNvPicPr>
           <p:nvPr/>
         </p:nvPicPr>
-        <p:blipFill>
-          <a:blip r:embed="rId2"/>
-          <a:stretch>
-            <a:fillRect/>
-          </a:stretch>
+        <p:blipFill rotWithShape="1">
+          <a:blip r:embed="rId2">
+            <a:extLst>
+              <a:ext uri="{28A0092B-C50C-407E-A947-70E740481C1C}">
+                <a14:useLocalDpi xmlns:a14="http://schemas.microsoft.com/office/drawing/2010/main" val="0"/>
+              </a:ext>
+            </a:extLst>
+          </a:blip>
+          <a:srcRect l="132" t="2490" r="1"/>
+          <a:stretch/>
         </p:blipFill>
-        <p:spPr>
-          <a:xfrm>
-            <a:off x="2648977" y="1541399"/>
-            <a:ext cx="6524770" cy="3670183"/>
+        <p:spPr bwMode="auto">
+          <a:xfrm>
+            <a:off x="3239311" y="1388818"/>
+            <a:ext cx="7244051" cy="3975345"/>
           </a:xfrm>
           <a:prstGeom prst="rect">
             <a:avLst/>
           </a:prstGeom>
+          <a:noFill/>
+          <a:extLst>
+            <a:ext uri="{909E8E84-426E-40DD-AFC4-6F175D3DCCD1}">
+              <a14:hiddenFill xmlns:a14="http://schemas.microsoft.com/office/drawing/2010/main">
+                <a:solidFill>
+                  <a:srgbClr val="FFFFFF"/>
+                </a:solidFill>
+              </a14:hiddenFill>
+            </a:ext>
+          </a:extLst>
         </p:spPr>
       </p:pic>
+      <p:sp>
+        <p:nvSpPr>
+          <p:cNvPr id="7" name="Espace réservé de la date 6"/>
+          <p:cNvSpPr>
+            <a:spLocks noGrp="1"/>
+          </p:cNvSpPr>
+          <p:nvPr>
+            <p:ph type="dt" sz="half" idx="10"/>
+          </p:nvPr>
+        </p:nvSpPr>
+        <p:spPr/>
+        <p:txBody>
+          <a:bodyPr/>
+          <a:lstStyle/>
+          <a:p>
+            <a:r>
+              <a:rPr lang="fr-FR"/>
+              <a:t>02/05/2017</a:t>
+            </a:r>
+          </a:p>
+        </p:txBody>
+      </p:sp>
+      <p:sp>
+        <p:nvSpPr>
+          <p:cNvPr id="9" name="Espace réservé du numéro de diapositive 8"/>
+          <p:cNvSpPr>
+            <a:spLocks noGrp="1"/>
+          </p:cNvSpPr>
+          <p:nvPr>
+            <p:ph type="sldNum" sz="quarter" idx="12"/>
+          </p:nvPr>
+        </p:nvSpPr>
+        <p:spPr/>
+        <p:txBody>
+          <a:bodyPr/>
+          <a:lstStyle/>
+          <a:p>
+            <a:fld id="{9CD36147-3E0D-48B3-97AB-EA0EB5E5676E}" type="slidenum">
+              <a:rPr lang="fr-FR" smtClean="0"/>
+              <a:t>1</a:t>
+            </a:fld>
+            <a:endParaRPr lang="fr-FR"/>
+          </a:p>
+        </p:txBody>
+      </p:sp>
     </p:spTree>
     <p:extLst>
       <p:ext uri="{BB962C8B-B14F-4D97-AF65-F5344CB8AC3E}">
@@ -3276,6 +6245,61 @@
           </a:prstGeom>
         </p:spPr>
       </p:pic>
+      <p:sp>
+        <p:nvSpPr>
+          <p:cNvPr id="7" name="Espace réservé de la date 6"/>
+          <p:cNvSpPr>
+            <a:spLocks noGrp="1"/>
+          </p:cNvSpPr>
+          <p:nvPr>
+            <p:ph type="dt" sz="half" idx="10"/>
+          </p:nvPr>
+        </p:nvSpPr>
+        <p:spPr>
+          <a:xfrm>
+            <a:off x="0" y="6554511"/>
+            <a:ext cx="2743200" cy="365125"/>
+          </a:xfrm>
+        </p:spPr>
+        <p:txBody>
+          <a:bodyPr/>
+          <a:lstStyle/>
+          <a:p>
+            <a:r>
+              <a:rPr lang="fr-FR" dirty="0"/>
+              <a:t>02/05/2017</a:t>
+            </a:r>
+          </a:p>
+        </p:txBody>
+      </p:sp>
+      <p:sp>
+        <p:nvSpPr>
+          <p:cNvPr id="8" name="Espace réservé du numéro de diapositive 7"/>
+          <p:cNvSpPr>
+            <a:spLocks noGrp="1"/>
+          </p:cNvSpPr>
+          <p:nvPr>
+            <p:ph type="sldNum" sz="quarter" idx="12"/>
+          </p:nvPr>
+        </p:nvSpPr>
+        <p:spPr>
+          <a:xfrm>
+            <a:off x="9448800" y="6554511"/>
+            <a:ext cx="2743200" cy="365125"/>
+          </a:xfrm>
+        </p:spPr>
+        <p:txBody>
+          <a:bodyPr/>
+          <a:lstStyle/>
+          <a:p>
+            <a:fld id="{9CD36147-3E0D-48B3-97AB-EA0EB5E5676E}" type="slidenum">
+              <a:rPr lang="fr-FR" smtClean="0"/>
+              <a:t>2</a:t>
+            </a:fld>
+            <a:endParaRPr lang="fr-FR"/>
+          </a:p>
+        </p:txBody>
+      </p:sp>
     </p:spTree>
     <p:extLst>
       <p:ext uri="{BB962C8B-B14F-4D97-AF65-F5344CB8AC3E}">
@@ -3542,7 +6566,7 @@
         </p:blipFill>
         <p:spPr>
           <a:xfrm>
-            <a:off x="190499" y="5997448"/>
+            <a:off x="152400" y="5967654"/>
             <a:ext cx="3429000" cy="333375"/>
           </a:xfrm>
           <a:prstGeom prst="rect">
@@ -4097,6 +7121,61 @@
               </a:rPr>
               <a:t>Début Boucle</a:t>
             </a:r>
+          </a:p>
+        </p:txBody>
+      </p:sp>
+      <p:sp>
+        <p:nvSpPr>
+          <p:cNvPr id="17" name="Espace réservé de la date 16"/>
+          <p:cNvSpPr>
+            <a:spLocks noGrp="1"/>
+          </p:cNvSpPr>
+          <p:nvPr>
+            <p:ph type="dt" sz="half" idx="10"/>
+          </p:nvPr>
+        </p:nvSpPr>
+        <p:spPr>
+          <a:xfrm>
+            <a:off x="0" y="6464564"/>
+            <a:ext cx="2743200" cy="365125"/>
+          </a:xfrm>
+        </p:spPr>
+        <p:txBody>
+          <a:bodyPr/>
+          <a:lstStyle/>
+          <a:p>
+            <a:r>
+              <a:rPr lang="fr-FR"/>
+              <a:t>02/05/2017</a:t>
+            </a:r>
+          </a:p>
+        </p:txBody>
+      </p:sp>
+      <p:sp>
+        <p:nvSpPr>
+          <p:cNvPr id="18" name="Espace réservé du numéro de diapositive 17"/>
+          <p:cNvSpPr>
+            <a:spLocks noGrp="1"/>
+          </p:cNvSpPr>
+          <p:nvPr>
+            <p:ph type="sldNum" sz="quarter" idx="12"/>
+          </p:nvPr>
+        </p:nvSpPr>
+        <p:spPr>
+          <a:xfrm>
+            <a:off x="9428641" y="6480000"/>
+            <a:ext cx="2743200" cy="365125"/>
+          </a:xfrm>
+        </p:spPr>
+        <p:txBody>
+          <a:bodyPr/>
+          <a:lstStyle/>
+          <a:p>
+            <a:fld id="{9CD36147-3E0D-48B3-97AB-EA0EB5E5676E}" type="slidenum">
+              <a:rPr lang="fr-FR" smtClean="0"/>
+              <a:t>3</a:t>
+            </a:fld>
+            <a:endParaRPr lang="fr-FR"/>
           </a:p>
         </p:txBody>
       </p:sp>
@@ -4156,6 +7235,34 @@
           </a:p>
         </p:txBody>
       </p:sp>
+      <p:sp>
+        <p:nvSpPr>
+          <p:cNvPr id="14" name="Espace réservé du numéro de diapositive 13"/>
+          <p:cNvSpPr>
+            <a:spLocks noGrp="1"/>
+          </p:cNvSpPr>
+          <p:nvPr>
+            <p:ph type="sldNum" sz="quarter" idx="12"/>
+          </p:nvPr>
+        </p:nvSpPr>
+        <p:spPr>
+          <a:xfrm>
+            <a:off x="9448800" y="6484168"/>
+            <a:ext cx="2743200" cy="365125"/>
+          </a:xfrm>
+        </p:spPr>
+        <p:txBody>
+          <a:bodyPr/>
+          <a:lstStyle/>
+          <a:p>
+            <a:fld id="{9CD36147-3E0D-48B3-97AB-EA0EB5E5676E}" type="slidenum">
+              <a:rPr lang="fr-FR" smtClean="0"/>
+              <a:t>4</a:t>
+            </a:fld>
+            <a:endParaRPr lang="fr-FR"/>
+          </a:p>
+        </p:txBody>
+      </p:sp>
       <p:pic>
         <p:nvPicPr>
           <p:cNvPr id="5" name="Image 4"/>
@@ -4365,6 +7472,33 @@
           </a:prstGeom>
         </p:spPr>
       </p:pic>
+      <p:sp>
+        <p:nvSpPr>
+          <p:cNvPr id="15" name="Espace réservé de la date 14"/>
+          <p:cNvSpPr>
+            <a:spLocks noGrp="1"/>
+          </p:cNvSpPr>
+          <p:nvPr>
+            <p:ph type="dt" sz="half" idx="10"/>
+          </p:nvPr>
+        </p:nvSpPr>
+        <p:spPr>
+          <a:xfrm>
+            <a:off x="0" y="6484169"/>
+            <a:ext cx="2743200" cy="365125"/>
+          </a:xfrm>
+        </p:spPr>
+        <p:txBody>
+          <a:bodyPr/>
+          <a:lstStyle/>
+          <a:p>
+            <a:r>
+              <a:rPr lang="fr-FR"/>
+              <a:t>02/05/2017</a:t>
+            </a:r>
+          </a:p>
+        </p:txBody>
+      </p:sp>
     </p:spTree>
     <p:extLst>
       <p:ext uri="{BB962C8B-B14F-4D97-AF65-F5344CB8AC3E}">
@@ -4407,27 +7541,29 @@
         </p:nvSpPr>
         <p:spPr>
           <a:xfrm>
-            <a:off x="838200" y="190028"/>
+            <a:off x="809149" y="111185"/>
             <a:ext cx="10515600" cy="1325563"/>
           </a:xfrm>
         </p:spPr>
         <p:txBody>
-          <a:bodyPr/>
-          <a:lstStyle/>
-          <a:p>
-            <a:r>
-              <a:rPr lang="fr-FR" dirty="0">
+          <a:bodyPr>
+            <a:normAutofit/>
+          </a:bodyPr>
+          <a:lstStyle/>
+          <a:p>
+            <a:r>
+              <a:rPr lang="fr-FR" sz="6000" dirty="0">
                 <a:latin typeface="Berlin Sans FB" panose="020E0602020502020306" pitchFamily="34" charset="0"/>
               </a:rPr>
               <a:t>Le module </a:t>
             </a:r>
             <a:r>
-              <a:rPr lang="fr-FR" dirty="0" err="1">
+              <a:rPr lang="fr-FR" sz="6000" dirty="0" err="1">
                 <a:latin typeface="Berlin Sans FB" panose="020E0602020502020306" pitchFamily="34" charset="0"/>
               </a:rPr>
               <a:t>ZoneGen</a:t>
             </a:r>
-            <a:endParaRPr lang="fr-FR" dirty="0">
+            <a:endParaRPr lang="fr-FR" sz="6000" dirty="0">
               <a:latin typeface="Berlin Sans FB" panose="020E0602020502020306" pitchFamily="34" charset="0"/>
             </a:endParaRPr>
           </a:p>
@@ -4709,6 +7845,61 @@
           <a:lstStyle/>
           <a:p>
             <a:pPr algn="ctr"/>
+            <a:endParaRPr lang="fr-FR"/>
+          </a:p>
+        </p:txBody>
+      </p:sp>
+      <p:sp>
+        <p:nvSpPr>
+          <p:cNvPr id="16" name="Espace réservé de la date 15"/>
+          <p:cNvSpPr>
+            <a:spLocks noGrp="1"/>
+          </p:cNvSpPr>
+          <p:nvPr>
+            <p:ph type="dt" sz="half" idx="10"/>
+          </p:nvPr>
+        </p:nvSpPr>
+        <p:spPr>
+          <a:xfrm>
+            <a:off x="0" y="6492873"/>
+            <a:ext cx="2743200" cy="365125"/>
+          </a:xfrm>
+        </p:spPr>
+        <p:txBody>
+          <a:bodyPr/>
+          <a:lstStyle/>
+          <a:p>
+            <a:r>
+              <a:rPr lang="fr-FR"/>
+              <a:t>02/05/2017</a:t>
+            </a:r>
+          </a:p>
+        </p:txBody>
+      </p:sp>
+      <p:sp>
+        <p:nvSpPr>
+          <p:cNvPr id="17" name="Espace réservé du numéro de diapositive 16"/>
+          <p:cNvSpPr>
+            <a:spLocks noGrp="1"/>
+          </p:cNvSpPr>
+          <p:nvPr>
+            <p:ph type="sldNum" sz="quarter" idx="12"/>
+          </p:nvPr>
+        </p:nvSpPr>
+        <p:spPr>
+          <a:xfrm>
+            <a:off x="9448800" y="6492874"/>
+            <a:ext cx="2743200" cy="365125"/>
+          </a:xfrm>
+        </p:spPr>
+        <p:txBody>
+          <a:bodyPr/>
+          <a:lstStyle/>
+          <a:p>
+            <a:fld id="{9CD36147-3E0D-48B3-97AB-EA0EB5E5676E}" type="slidenum">
+              <a:rPr lang="fr-FR" smtClean="0"/>
+              <a:t>5</a:t>
+            </a:fld>
             <a:endParaRPr lang="fr-FR"/>
           </a:p>
         </p:txBody>
@@ -4766,6 +7957,158 @@
               </a:rPr>
               <a:t>En Conclusion</a:t>
             </a:r>
+          </a:p>
+        </p:txBody>
+      </p:sp>
+      <p:sp>
+        <p:nvSpPr>
+          <p:cNvPr id="5" name="ZoneTexte 4"/>
+          <p:cNvSpPr txBox="1"/>
+          <p:nvPr/>
+        </p:nvSpPr>
+        <p:spPr>
+          <a:xfrm>
+            <a:off x="838200" y="2381352"/>
+            <a:ext cx="10515600" cy="2677656"/>
+          </a:xfrm>
+          <a:prstGeom prst="rect">
+            <a:avLst/>
+          </a:prstGeom>
+          <a:noFill/>
+        </p:spPr>
+        <p:txBody>
+          <a:bodyPr wrap="square" rtlCol="0">
+            <a:spAutoFit/>
+          </a:bodyPr>
+          <a:lstStyle/>
+          <a:p>
+            <a:pPr marL="285750" indent="-285750">
+              <a:buFont typeface="Wingdings" panose="05000000000000000000" pitchFamily="2" charset="2"/>
+              <a:buChar char="Ø"/>
+            </a:pPr>
+            <a:r>
+              <a:rPr lang="fr-FR" sz="2400" dirty="0">
+                <a:solidFill>
+                  <a:schemeClr val="bg1">
+                    <a:lumMod val="95000"/>
+                  </a:schemeClr>
+                </a:solidFill>
+              </a:rPr>
+              <a:t>Avec du recul, notre cahier des charges aurait dû être un peu plus léger</a:t>
+            </a:r>
+          </a:p>
+          <a:p>
+            <a:pPr marL="285750" indent="-285750">
+              <a:buFont typeface="Wingdings" panose="05000000000000000000" pitchFamily="2" charset="2"/>
+              <a:buChar char="Ø"/>
+            </a:pPr>
+            <a:endParaRPr lang="fr-FR" sz="2400" dirty="0">
+              <a:solidFill>
+                <a:schemeClr val="bg1">
+                  <a:lumMod val="95000"/>
+                </a:schemeClr>
+              </a:solidFill>
+            </a:endParaRPr>
+          </a:p>
+          <a:p>
+            <a:pPr marL="285750" indent="-285750">
+              <a:buFont typeface="Wingdings" panose="05000000000000000000" pitchFamily="2" charset="2"/>
+              <a:buChar char="Ø"/>
+            </a:pPr>
+            <a:r>
+              <a:rPr lang="fr-FR" sz="2400" dirty="0">
+                <a:solidFill>
+                  <a:schemeClr val="bg1">
+                    <a:lumMod val="95000"/>
+                  </a:schemeClr>
+                </a:solidFill>
+              </a:rPr>
+              <a:t>Beaucoup d’idées et de fonctionnalités qu’il resterait à implémenter pour atteindre nos premières intentions</a:t>
+            </a:r>
+          </a:p>
+          <a:p>
+            <a:pPr marL="285750" indent="-285750">
+              <a:buFont typeface="Wingdings" panose="05000000000000000000" pitchFamily="2" charset="2"/>
+              <a:buChar char="Ø"/>
+            </a:pPr>
+            <a:endParaRPr lang="fr-FR" sz="2400" dirty="0">
+              <a:solidFill>
+                <a:schemeClr val="bg1">
+                  <a:lumMod val="95000"/>
+                </a:schemeClr>
+              </a:solidFill>
+            </a:endParaRPr>
+          </a:p>
+          <a:p>
+            <a:pPr marL="285750" indent="-285750">
+              <a:buFont typeface="Wingdings" panose="05000000000000000000" pitchFamily="2" charset="2"/>
+              <a:buChar char="Ø"/>
+            </a:pPr>
+            <a:r>
+              <a:rPr lang="fr-FR" sz="2400" dirty="0">
+                <a:solidFill>
+                  <a:schemeClr val="bg1">
+                    <a:lumMod val="95000"/>
+                  </a:schemeClr>
+                </a:solidFill>
+              </a:rPr>
+              <a:t>Nous continuerons très certainement le développement en dehors du cadre de la LIFAP4</a:t>
+            </a:r>
+          </a:p>
+        </p:txBody>
+      </p:sp>
+      <p:sp>
+        <p:nvSpPr>
+          <p:cNvPr id="8" name="Espace réservé de la date 7"/>
+          <p:cNvSpPr>
+            <a:spLocks noGrp="1"/>
+          </p:cNvSpPr>
+          <p:nvPr>
+            <p:ph type="dt" sz="half" idx="10"/>
+          </p:nvPr>
+        </p:nvSpPr>
+        <p:spPr>
+          <a:xfrm>
+            <a:off x="0" y="6487336"/>
+            <a:ext cx="2743200" cy="365125"/>
+          </a:xfrm>
+        </p:spPr>
+        <p:txBody>
+          <a:bodyPr/>
+          <a:lstStyle/>
+          <a:p>
+            <a:r>
+              <a:rPr lang="fr-FR"/>
+              <a:t>02/05/2017</a:t>
+            </a:r>
+          </a:p>
+        </p:txBody>
+      </p:sp>
+      <p:sp>
+        <p:nvSpPr>
+          <p:cNvPr id="9" name="Espace réservé du numéro de diapositive 8"/>
+          <p:cNvSpPr>
+            <a:spLocks noGrp="1"/>
+          </p:cNvSpPr>
+          <p:nvPr>
+            <p:ph type="sldNum" sz="quarter" idx="12"/>
+          </p:nvPr>
+        </p:nvSpPr>
+        <p:spPr>
+          <a:xfrm>
+            <a:off x="9448800" y="6487335"/>
+            <a:ext cx="2743200" cy="365125"/>
+          </a:xfrm>
+        </p:spPr>
+        <p:txBody>
+          <a:bodyPr/>
+          <a:lstStyle/>
+          <a:p>
+            <a:fld id="{9CD36147-3E0D-48B3-97AB-EA0EB5E5676E}" type="slidenum">
+              <a:rPr lang="fr-FR" smtClean="0"/>
+              <a:t>6</a:t>
+            </a:fld>
+            <a:endParaRPr lang="fr-FR"/>
           </a:p>
         </p:txBody>
       </p:sp>
@@ -5075,4 +8418,594 @@
     </a:ext>
   </a:extLst>
 </a:theme>
+</file>
+
+<file path=ppt/theme/theme2.xml><?xml version="1.0" encoding="utf-8"?>
+<a:theme xmlns:a="http://schemas.openxmlformats.org/drawingml/2006/main" name="Conception personnalisée">
+  <a:themeElements>
+    <a:clrScheme name="Nuances de gris">
+      <a:dk1>
+        <a:sysClr val="windowText" lastClr="000000"/>
+      </a:dk1>
+      <a:lt1>
+        <a:sysClr val="window" lastClr="FFFFFF"/>
+      </a:lt1>
+      <a:dk2>
+        <a:srgbClr val="000000"/>
+      </a:dk2>
+      <a:lt2>
+        <a:srgbClr val="F8F8F8"/>
+      </a:lt2>
+      <a:accent1>
+        <a:srgbClr val="DDDDDD"/>
+      </a:accent1>
+      <a:accent2>
+        <a:srgbClr val="B2B2B2"/>
+      </a:accent2>
+      <a:accent3>
+        <a:srgbClr val="969696"/>
+      </a:accent3>
+      <a:accent4>
+        <a:srgbClr val="808080"/>
+      </a:accent4>
+      <a:accent5>
+        <a:srgbClr val="5F5F5F"/>
+      </a:accent5>
+      <a:accent6>
+        <a:srgbClr val="4D4D4D"/>
+      </a:accent6>
+      <a:hlink>
+        <a:srgbClr val="5F5F5F"/>
+      </a:hlink>
+      <a:folHlink>
+        <a:srgbClr val="919191"/>
+      </a:folHlink>
+    </a:clrScheme>
+    <a:fontScheme name="Office">
+      <a:majorFont>
+        <a:latin typeface="Calibri Light" panose="020F0302020204030204"/>
+        <a:ea typeface=""/>
+        <a:cs typeface=""/>
+        <a:font script="Jpan" typeface="游ゴシック Light"/>
+        <a:font script="Hang" typeface="맑은 고딕"/>
+        <a:font script="Hans" typeface="等线 Light"/>
+        <a:font script="Hant" typeface="新細明體"/>
+        <a:font script="Arab" typeface="Times New Roman"/>
+        <a:font script="Hebr" typeface="Times New Roman"/>
+        <a:font script="Thai" typeface="Angsana New"/>
+        <a:font script="Ethi" typeface="Nyala"/>
+        <a:font script="Beng" typeface="Vrinda"/>
+        <a:font script="Gujr" typeface="Shruti"/>
+        <a:font script="Khmr" typeface="MoolBoran"/>
+        <a:font script="Knda" typeface="Tunga"/>
+        <a:font script="Guru" typeface="Raavi"/>
+        <a:font script="Cans" typeface="Euphemia"/>
+        <a:font script="Cher" typeface="Plantagenet Cherokee"/>
+        <a:font script="Yiii" typeface="Microsoft Yi Baiti"/>
+        <a:font script="Tibt" typeface="Microsoft Himalaya"/>
+        <a:font script="Thaa" typeface="MV Boli"/>
+        <a:font script="Deva" typeface="Mangal"/>
+        <a:font script="Telu" typeface="Gautami"/>
+        <a:font script="Taml" typeface="Latha"/>
+        <a:font script="Syrc" typeface="Estrangelo Edessa"/>
+        <a:font script="Orya" typeface="Kalinga"/>
+        <a:font script="Mlym" typeface="Kartika"/>
+        <a:font script="Laoo" typeface="DokChampa"/>
+        <a:font script="Sinh" typeface="Iskoola Pota"/>
+        <a:font script="Mong" typeface="Mongolian Baiti"/>
+        <a:font script="Viet" typeface="Times New Roman"/>
+        <a:font script="Uigh" typeface="Microsoft Uighur"/>
+        <a:font script="Geor" typeface="Sylfaen"/>
+        <a:font script="Armn" typeface="Arial"/>
+        <a:font script="Bugi" typeface="Leelawadee UI"/>
+        <a:font script="Bopo" typeface="Microsoft JhengHei"/>
+        <a:font script="Java" typeface="Javanese Text"/>
+        <a:font script="Lisu" typeface="Segoe UI"/>
+        <a:font script="Mymr" typeface="Myanmar Text"/>
+        <a:font script="Nkoo" typeface="Ebrima"/>
+        <a:font script="Olck" typeface="Nirmala UI"/>
+        <a:font script="Osma" typeface="Ebrima"/>
+        <a:font script="Phag" typeface="Phagspa"/>
+        <a:font script="Syrn" typeface="Estrangelo Edessa"/>
+        <a:font script="Syrj" typeface="Estrangelo Edessa"/>
+        <a:font script="Syre" typeface="Estrangelo Edessa"/>
+        <a:font script="Sora" typeface="Nirmala UI"/>
+        <a:font script="Tale" typeface="Microsoft Tai Le"/>
+        <a:font script="Talu" typeface="Microsoft New Tai Lue"/>
+        <a:font script="Tfng" typeface="Ebrima"/>
+      </a:majorFont>
+      <a:minorFont>
+        <a:latin typeface="Calibri" panose="020F0502020204030204"/>
+        <a:ea typeface=""/>
+        <a:cs typeface=""/>
+        <a:font script="Jpan" typeface="游ゴシック"/>
+        <a:font script="Hang" typeface="맑은 고딕"/>
+        <a:font script="Hans" typeface="等线"/>
+        <a:font script="Hant" typeface="新細明體"/>
+        <a:font script="Arab" typeface="Arial"/>
+        <a:font script="Hebr" typeface="Arial"/>
+        <a:font script="Thai" typeface="Cordia New"/>
+        <a:font script="Ethi" typeface="Nyala"/>
+        <a:font script="Beng" typeface="Vrinda"/>
+        <a:font script="Gujr" typeface="Shruti"/>
+        <a:font script="Khmr" typeface="DaunPenh"/>
+        <a:font script="Knda" typeface="Tunga"/>
+        <a:font script="Guru" typeface="Raavi"/>
+        <a:font script="Cans" typeface="Euphemia"/>
+        <a:font script="Cher" typeface="Plantagenet Cherokee"/>
+        <a:font script="Yiii" typeface="Microsoft Yi Baiti"/>
+        <a:font script="Tibt" typeface="Microsoft Himalaya"/>
+        <a:font script="Thaa" typeface="MV Boli"/>
+        <a:font script="Deva" typeface="Mangal"/>
+        <a:font script="Telu" typeface="Gautami"/>
+        <a:font script="Taml" typeface="Latha"/>
+        <a:font script="Syrc" typeface="Estrangelo Edessa"/>
+        <a:font script="Orya" typeface="Kalinga"/>
+        <a:font script="Mlym" typeface="Kartika"/>
+        <a:font script="Laoo" typeface="DokChampa"/>
+        <a:font script="Sinh" typeface="Iskoola Pota"/>
+        <a:font script="Mong" typeface="Mongolian Baiti"/>
+        <a:font script="Viet" typeface="Arial"/>
+        <a:font script="Uigh" typeface="Microsoft Uighur"/>
+        <a:font script="Geor" typeface="Sylfaen"/>
+        <a:font script="Armn" typeface="Arial"/>
+        <a:font script="Bugi" typeface="Leelawadee UI"/>
+        <a:font script="Bopo" typeface="Microsoft JhengHei"/>
+        <a:font script="Java" typeface="Javanese Text"/>
+        <a:font script="Lisu" typeface="Segoe UI"/>
+        <a:font script="Mymr" typeface="Myanmar Text"/>
+        <a:font script="Nkoo" typeface="Ebrima"/>
+        <a:font script="Olck" typeface="Nirmala UI"/>
+        <a:font script="Osma" typeface="Ebrima"/>
+        <a:font script="Phag" typeface="Phagspa"/>
+        <a:font script="Syrn" typeface="Estrangelo Edessa"/>
+        <a:font script="Syrj" typeface="Estrangelo Edessa"/>
+        <a:font script="Syre" typeface="Estrangelo Edessa"/>
+        <a:font script="Sora" typeface="Nirmala UI"/>
+        <a:font script="Tale" typeface="Microsoft Tai Le"/>
+        <a:font script="Talu" typeface="Microsoft New Tai Lue"/>
+        <a:font script="Tfng" typeface="Ebrima"/>
+      </a:minorFont>
+    </a:fontScheme>
+    <a:fmtScheme name="Office">
+      <a:fillStyleLst>
+        <a:solidFill>
+          <a:schemeClr val="phClr"/>
+        </a:solidFill>
+        <a:gradFill rotWithShape="1">
+          <a:gsLst>
+            <a:gs pos="0">
+              <a:schemeClr val="phClr">
+                <a:lumMod val="110000"/>
+                <a:satMod val="105000"/>
+                <a:tint val="67000"/>
+              </a:schemeClr>
+            </a:gs>
+            <a:gs pos="50000">
+              <a:schemeClr val="phClr">
+                <a:lumMod val="105000"/>
+                <a:satMod val="103000"/>
+                <a:tint val="73000"/>
+              </a:schemeClr>
+            </a:gs>
+            <a:gs pos="100000">
+              <a:schemeClr val="phClr">
+                <a:lumMod val="105000"/>
+                <a:satMod val="109000"/>
+                <a:tint val="81000"/>
+              </a:schemeClr>
+            </a:gs>
+          </a:gsLst>
+          <a:lin ang="5400000" scaled="0"/>
+        </a:gradFill>
+        <a:gradFill rotWithShape="1">
+          <a:gsLst>
+            <a:gs pos="0">
+              <a:schemeClr val="phClr">
+                <a:satMod val="103000"/>
+                <a:lumMod val="102000"/>
+                <a:tint val="94000"/>
+              </a:schemeClr>
+            </a:gs>
+            <a:gs pos="50000">
+              <a:schemeClr val="phClr">
+                <a:satMod val="110000"/>
+                <a:lumMod val="100000"/>
+                <a:shade val="100000"/>
+              </a:schemeClr>
+            </a:gs>
+            <a:gs pos="100000">
+              <a:schemeClr val="phClr">
+                <a:lumMod val="99000"/>
+                <a:satMod val="120000"/>
+                <a:shade val="78000"/>
+              </a:schemeClr>
+            </a:gs>
+          </a:gsLst>
+          <a:lin ang="5400000" scaled="0"/>
+        </a:gradFill>
+      </a:fillStyleLst>
+      <a:lnStyleLst>
+        <a:ln w="6350" cap="flat" cmpd="sng" algn="ctr">
+          <a:solidFill>
+            <a:schemeClr val="phClr"/>
+          </a:solidFill>
+          <a:prstDash val="solid"/>
+          <a:miter lim="800000"/>
+        </a:ln>
+        <a:ln w="12700" cap="flat" cmpd="sng" algn="ctr">
+          <a:solidFill>
+            <a:schemeClr val="phClr"/>
+          </a:solidFill>
+          <a:prstDash val="solid"/>
+          <a:miter lim="800000"/>
+        </a:ln>
+        <a:ln w="19050" cap="flat" cmpd="sng" algn="ctr">
+          <a:solidFill>
+            <a:schemeClr val="phClr"/>
+          </a:solidFill>
+          <a:prstDash val="solid"/>
+          <a:miter lim="800000"/>
+        </a:ln>
+      </a:lnStyleLst>
+      <a:effectStyleLst>
+        <a:effectStyle>
+          <a:effectLst/>
+        </a:effectStyle>
+        <a:effectStyle>
+          <a:effectLst/>
+        </a:effectStyle>
+        <a:effectStyle>
+          <a:effectLst>
+            <a:outerShdw blurRad="57150" dist="19050" dir="5400000" algn="ctr" rotWithShape="0">
+              <a:srgbClr val="000000">
+                <a:alpha val="63000"/>
+              </a:srgbClr>
+            </a:outerShdw>
+          </a:effectLst>
+        </a:effectStyle>
+      </a:effectStyleLst>
+      <a:bgFillStyleLst>
+        <a:solidFill>
+          <a:schemeClr val="phClr"/>
+        </a:solidFill>
+        <a:solidFill>
+          <a:schemeClr val="phClr">
+            <a:tint val="95000"/>
+            <a:satMod val="170000"/>
+          </a:schemeClr>
+        </a:solidFill>
+        <a:gradFill rotWithShape="1">
+          <a:gsLst>
+            <a:gs pos="0">
+              <a:schemeClr val="phClr">
+                <a:tint val="93000"/>
+                <a:satMod val="150000"/>
+                <a:shade val="98000"/>
+                <a:lumMod val="102000"/>
+              </a:schemeClr>
+            </a:gs>
+            <a:gs pos="50000">
+              <a:schemeClr val="phClr">
+                <a:tint val="98000"/>
+                <a:satMod val="130000"/>
+                <a:shade val="90000"/>
+                <a:lumMod val="103000"/>
+              </a:schemeClr>
+            </a:gs>
+            <a:gs pos="100000">
+              <a:schemeClr val="phClr">
+                <a:shade val="63000"/>
+                <a:satMod val="120000"/>
+              </a:schemeClr>
+            </a:gs>
+          </a:gsLst>
+          <a:lin ang="5400000" scaled="0"/>
+        </a:gradFill>
+      </a:bgFillStyleLst>
+    </a:fmtScheme>
+  </a:themeElements>
+  <a:objectDefaults/>
+  <a:extraClrSchemeLst/>
+  <a:extLst>
+    <a:ext uri="{05A4C25C-085E-4340-85A3-A5531E510DB2}">
+      <thm15:themeFamily xmlns:thm15="http://schemas.microsoft.com/office/thememl/2012/main" name="Office Theme" id="{62F939B6-93AF-4DB8-9C6B-D6C7DFDC589F}" vid="{4A3C46E8-61CC-4603-A589-7422A47A8E4A}"/>
+    </a:ext>
+  </a:extLst>
+</a:theme>
+</file>
+
+<file path=ppt/theme/theme3.xml><?xml version="1.0" encoding="utf-8"?>
+<a:theme xmlns:a="http://schemas.openxmlformats.org/drawingml/2006/main" name="Thème Office">
+  <a:themeElements>
+    <a:clrScheme name="Office">
+      <a:dk1>
+        <a:sysClr val="windowText" lastClr="000000"/>
+      </a:dk1>
+      <a:lt1>
+        <a:sysClr val="window" lastClr="FFFFFF"/>
+      </a:lt1>
+      <a:dk2>
+        <a:srgbClr val="44546A"/>
+      </a:dk2>
+      <a:lt2>
+        <a:srgbClr val="E7E6E6"/>
+      </a:lt2>
+      <a:accent1>
+        <a:srgbClr val="4472C4"/>
+      </a:accent1>
+      <a:accent2>
+        <a:srgbClr val="ED7D31"/>
+      </a:accent2>
+      <a:accent3>
+        <a:srgbClr val="A5A5A5"/>
+      </a:accent3>
+      <a:accent4>
+        <a:srgbClr val="FFC000"/>
+      </a:accent4>
+      <a:accent5>
+        <a:srgbClr val="5B9BD5"/>
+      </a:accent5>
+      <a:accent6>
+        <a:srgbClr val="70AD47"/>
+      </a:accent6>
+      <a:hlink>
+        <a:srgbClr val="0563C1"/>
+      </a:hlink>
+      <a:folHlink>
+        <a:srgbClr val="954F72"/>
+      </a:folHlink>
+    </a:clrScheme>
+    <a:fontScheme name="Office">
+      <a:majorFont>
+        <a:latin typeface="Calibri Light" panose="020F0302020204030204"/>
+        <a:ea typeface=""/>
+        <a:cs typeface=""/>
+        <a:font script="Jpan" typeface="游ゴシック Light"/>
+        <a:font script="Hang" typeface="맑은 고딕"/>
+        <a:font script="Hans" typeface="等线 Light"/>
+        <a:font script="Hant" typeface="新細明體"/>
+        <a:font script="Arab" typeface="Times New Roman"/>
+        <a:font script="Hebr" typeface="Times New Roman"/>
+        <a:font script="Thai" typeface="Angsana New"/>
+        <a:font script="Ethi" typeface="Nyala"/>
+        <a:font script="Beng" typeface="Vrinda"/>
+        <a:font script="Gujr" typeface="Shruti"/>
+        <a:font script="Khmr" typeface="MoolBoran"/>
+        <a:font script="Knda" typeface="Tunga"/>
+        <a:font script="Guru" typeface="Raavi"/>
+        <a:font script="Cans" typeface="Euphemia"/>
+        <a:font script="Cher" typeface="Plantagenet Cherokee"/>
+        <a:font script="Yiii" typeface="Microsoft Yi Baiti"/>
+        <a:font script="Tibt" typeface="Microsoft Himalaya"/>
+        <a:font script="Thaa" typeface="MV Boli"/>
+        <a:font script="Deva" typeface="Mangal"/>
+        <a:font script="Telu" typeface="Gautami"/>
+        <a:font script="Taml" typeface="Latha"/>
+        <a:font script="Syrc" typeface="Estrangelo Edessa"/>
+        <a:font script="Orya" typeface="Kalinga"/>
+        <a:font script="Mlym" typeface="Kartika"/>
+        <a:font script="Laoo" typeface="DokChampa"/>
+        <a:font script="Sinh" typeface="Iskoola Pota"/>
+        <a:font script="Mong" typeface="Mongolian Baiti"/>
+        <a:font script="Viet" typeface="Times New Roman"/>
+        <a:font script="Uigh" typeface="Microsoft Uighur"/>
+        <a:font script="Geor" typeface="Sylfaen"/>
+        <a:font script="Armn" typeface="Arial"/>
+        <a:font script="Bugi" typeface="Leelawadee UI"/>
+        <a:font script="Bopo" typeface="Microsoft JhengHei"/>
+        <a:font script="Java" typeface="Javanese Text"/>
+        <a:font script="Lisu" typeface="Segoe UI"/>
+        <a:font script="Mymr" typeface="Myanmar Text"/>
+        <a:font script="Nkoo" typeface="Ebrima"/>
+        <a:font script="Olck" typeface="Nirmala UI"/>
+        <a:font script="Osma" typeface="Ebrima"/>
+        <a:font script="Phag" typeface="Phagspa"/>
+        <a:font script="Syrn" typeface="Estrangelo Edessa"/>
+        <a:font script="Syrj" typeface="Estrangelo Edessa"/>
+        <a:font script="Syre" typeface="Estrangelo Edessa"/>
+        <a:font script="Sora" typeface="Nirmala UI"/>
+        <a:font script="Tale" typeface="Microsoft Tai Le"/>
+        <a:font script="Talu" typeface="Microsoft New Tai Lue"/>
+        <a:font script="Tfng" typeface="Ebrima"/>
+      </a:majorFont>
+      <a:minorFont>
+        <a:latin typeface="Calibri" panose="020F0502020204030204"/>
+        <a:ea typeface=""/>
+        <a:cs typeface=""/>
+        <a:font script="Jpan" typeface="游ゴシック"/>
+        <a:font script="Hang" typeface="맑은 고딕"/>
+        <a:font script="Hans" typeface="等线"/>
+        <a:font script="Hant" typeface="新細明體"/>
+        <a:font script="Arab" typeface="Arial"/>
+        <a:font script="Hebr" typeface="Arial"/>
+        <a:font script="Thai" typeface="Cordia New"/>
+        <a:font script="Ethi" typeface="Nyala"/>
+        <a:font script="Beng" typeface="Vrinda"/>
+        <a:font script="Gujr" typeface="Shruti"/>
+        <a:font script="Khmr" typeface="DaunPenh"/>
+        <a:font script="Knda" typeface="Tunga"/>
+        <a:font script="Guru" typeface="Raavi"/>
+        <a:font script="Cans" typeface="Euphemia"/>
+        <a:font script="Cher" typeface="Plantagenet Cherokee"/>
+        <a:font script="Yiii" typeface="Microsoft Yi Baiti"/>
+        <a:font script="Tibt" typeface="Microsoft Himalaya"/>
+        <a:font script="Thaa" typeface="MV Boli"/>
+        <a:font script="Deva" typeface="Mangal"/>
+        <a:font script="Telu" typeface="Gautami"/>
+        <a:font script="Taml" typeface="Latha"/>
+        <a:font script="Syrc" typeface="Estrangelo Edessa"/>
+        <a:font script="Orya" typeface="Kalinga"/>
+        <a:font script="Mlym" typeface="Kartika"/>
+        <a:font script="Laoo" typeface="DokChampa"/>
+        <a:font script="Sinh" typeface="Iskoola Pota"/>
+        <a:font script="Mong" typeface="Mongolian Baiti"/>
+        <a:font script="Viet" typeface="Arial"/>
+        <a:font script="Uigh" typeface="Microsoft Uighur"/>
+        <a:font script="Geor" typeface="Sylfaen"/>
+        <a:font script="Armn" typeface="Arial"/>
+        <a:font script="Bugi" typeface="Leelawadee UI"/>
+        <a:font script="Bopo" typeface="Microsoft JhengHei"/>
+        <a:font script="Java" typeface="Javanese Text"/>
+        <a:font script="Lisu" typeface="Segoe UI"/>
+        <a:font script="Mymr" typeface="Myanmar Text"/>
+        <a:font script="Nkoo" typeface="Ebrima"/>
+        <a:font script="Olck" typeface="Nirmala UI"/>
+        <a:font script="Osma" typeface="Ebrima"/>
+        <a:font script="Phag" typeface="Phagspa"/>
+        <a:font script="Syrn" typeface="Estrangelo Edessa"/>
+        <a:font script="Syrj" typeface="Estrangelo Edessa"/>
+        <a:font script="Syre" typeface="Estrangelo Edessa"/>
+        <a:font script="Sora" typeface="Nirmala UI"/>
+        <a:font script="Tale" typeface="Microsoft Tai Le"/>
+        <a:font script="Talu" typeface="Microsoft New Tai Lue"/>
+        <a:font script="Tfng" typeface="Ebrima"/>
+      </a:minorFont>
+    </a:fontScheme>
+    <a:fmtScheme name="Office">
+      <a:fillStyleLst>
+        <a:solidFill>
+          <a:schemeClr val="phClr"/>
+        </a:solidFill>
+        <a:gradFill rotWithShape="1">
+          <a:gsLst>
+            <a:gs pos="0">
+              <a:schemeClr val="phClr">
+                <a:lumMod val="110000"/>
+                <a:satMod val="105000"/>
+                <a:tint val="67000"/>
+              </a:schemeClr>
+            </a:gs>
+            <a:gs pos="50000">
+              <a:schemeClr val="phClr">
+                <a:lumMod val="105000"/>
+                <a:satMod val="103000"/>
+                <a:tint val="73000"/>
+              </a:schemeClr>
+            </a:gs>
+            <a:gs pos="100000">
+              <a:schemeClr val="phClr">
+                <a:lumMod val="105000"/>
+                <a:satMod val="109000"/>
+                <a:tint val="81000"/>
+              </a:schemeClr>
+            </a:gs>
+          </a:gsLst>
+          <a:lin ang="5400000" scaled="0"/>
+        </a:gradFill>
+        <a:gradFill rotWithShape="1">
+          <a:gsLst>
+            <a:gs pos="0">
+              <a:schemeClr val="phClr">
+                <a:satMod val="103000"/>
+                <a:lumMod val="102000"/>
+                <a:tint val="94000"/>
+              </a:schemeClr>
+            </a:gs>
+            <a:gs pos="50000">
+              <a:schemeClr val="phClr">
+                <a:satMod val="110000"/>
+                <a:lumMod val="100000"/>
+                <a:shade val="100000"/>
+              </a:schemeClr>
+            </a:gs>
+            <a:gs pos="100000">
+              <a:schemeClr val="phClr">
+                <a:lumMod val="99000"/>
+                <a:satMod val="120000"/>
+                <a:shade val="78000"/>
+              </a:schemeClr>
+            </a:gs>
+          </a:gsLst>
+          <a:lin ang="5400000" scaled="0"/>
+        </a:gradFill>
+      </a:fillStyleLst>
+      <a:lnStyleLst>
+        <a:ln w="6350" cap="flat" cmpd="sng" algn="ctr">
+          <a:solidFill>
+            <a:schemeClr val="phClr"/>
+          </a:solidFill>
+          <a:prstDash val="solid"/>
+          <a:miter lim="800000"/>
+        </a:ln>
+        <a:ln w="12700" cap="flat" cmpd="sng" algn="ctr">
+          <a:solidFill>
+            <a:schemeClr val="phClr"/>
+          </a:solidFill>
+          <a:prstDash val="solid"/>
+          <a:miter lim="800000"/>
+        </a:ln>
+        <a:ln w="19050" cap="flat" cmpd="sng" algn="ctr">
+          <a:solidFill>
+            <a:schemeClr val="phClr"/>
+          </a:solidFill>
+          <a:prstDash val="solid"/>
+          <a:miter lim="800000"/>
+        </a:ln>
+      </a:lnStyleLst>
+      <a:effectStyleLst>
+        <a:effectStyle>
+          <a:effectLst/>
+        </a:effectStyle>
+        <a:effectStyle>
+          <a:effectLst/>
+        </a:effectStyle>
+        <a:effectStyle>
+          <a:effectLst>
+            <a:outerShdw blurRad="57150" dist="19050" dir="5400000" algn="ctr" rotWithShape="0">
+              <a:srgbClr val="000000">
+                <a:alpha val="63000"/>
+              </a:srgbClr>
+            </a:outerShdw>
+          </a:effectLst>
+        </a:effectStyle>
+      </a:effectStyleLst>
+      <a:bgFillStyleLst>
+        <a:solidFill>
+          <a:schemeClr val="phClr"/>
+        </a:solidFill>
+        <a:solidFill>
+          <a:schemeClr val="phClr">
+            <a:tint val="95000"/>
+            <a:satMod val="170000"/>
+          </a:schemeClr>
+        </a:solidFill>
+        <a:gradFill rotWithShape="1">
+          <a:gsLst>
+            <a:gs pos="0">
+              <a:schemeClr val="phClr">
+                <a:tint val="93000"/>
+                <a:satMod val="150000"/>
+                <a:shade val="98000"/>
+                <a:lumMod val="102000"/>
+              </a:schemeClr>
+            </a:gs>
+            <a:gs pos="50000">
+              <a:schemeClr val="phClr">
+                <a:tint val="98000"/>
+                <a:satMod val="130000"/>
+                <a:shade val="90000"/>
+                <a:lumMod val="103000"/>
+              </a:schemeClr>
+            </a:gs>
+            <a:gs pos="100000">
+              <a:schemeClr val="phClr">
+                <a:shade val="63000"/>
+                <a:satMod val="120000"/>
+              </a:schemeClr>
+            </a:gs>
+          </a:gsLst>
+          <a:lin ang="5400000" scaled="0"/>
+        </a:gradFill>
+      </a:bgFillStyleLst>
+    </a:fmtScheme>
+  </a:themeElements>
+  <a:objectDefaults/>
+  <a:extraClrSchemeLst/>
+  <a:extLst>
+    <a:ext uri="{05A4C25C-085E-4340-85A3-A5531E510DB2}">
+      <thm15:themeFamily xmlns:thm15="http://schemas.microsoft.com/office/thememl/2012/main" name="Office Theme" id="{62F939B6-93AF-4DB8-9C6B-D6C7DFDC589F}" vid="{4A3C46E8-61CC-4603-A589-7422A47A8E4A}"/>
+    </a:ext>
+  </a:extLst>
+</a:theme>
 </file>